--- a/Présentation web site .pptx
+++ b/Présentation web site .pptx
@@ -7,6 +7,8 @@
   <p:sldIdLst>
     <p:sldId id="256" r:id="rId2"/>
     <p:sldId id="257" r:id="rId3"/>
+    <p:sldId id="258" r:id="rId4"/>
+    <p:sldId id="259" r:id="rId5"/>
   </p:sldIdLst>
   <p:sldSz cx="12192000" cy="6858000"/>
   <p:notesSz cx="6858000" cy="9144000"/>
@@ -105,6 +107,11 @@
       </a:defRPr>
     </a:lvl9pPr>
   </p:defaultTextStyle>
+  <p:extLst>
+    <p:ext uri="{EFAFB233-063F-42B5-8137-9DF3F51BA10A}">
+      <p15:sldGuideLst xmlns:p15="http://schemas.microsoft.com/office/powerpoint/2012/main"/>
+    </p:ext>
+  </p:extLst>
 </p:presentation>
 </file>
 
@@ -257,7 +264,7 @@
           <a:p>
             <a:fld id="{E21AA528-AEE3-624E-8B38-D80949268DB4}" type="datetimeFigureOut">
               <a:rPr lang="en-US" smtClean="0"/>
-              <a:t>10/18/24</a:t>
+              <a:t>10/23/2024</a:t>
             </a:fld>
             <a:endParaRPr lang="en-US"/>
           </a:p>
@@ -311,7 +318,7 @@
           <a:p>
             <a:fld id="{5769D6C6-203C-A44C-A197-921B864FF056}" type="slidenum">
               <a:rPr lang="en-US" smtClean="0"/>
-              <a:t>‹N°›</a:t>
+              <a:t>‹#›</a:t>
             </a:fld>
             <a:endParaRPr lang="en-US"/>
           </a:p>
@@ -457,7 +464,7 @@
           <a:p>
             <a:fld id="{E21AA528-AEE3-624E-8B38-D80949268DB4}" type="datetimeFigureOut">
               <a:rPr lang="en-US" smtClean="0"/>
-              <a:t>10/18/24</a:t>
+              <a:t>10/23/2024</a:t>
             </a:fld>
             <a:endParaRPr lang="en-US"/>
           </a:p>
@@ -511,7 +518,7 @@
           <a:p>
             <a:fld id="{5769D6C6-203C-A44C-A197-921B864FF056}" type="slidenum">
               <a:rPr lang="en-US" smtClean="0"/>
-              <a:t>‹N°›</a:t>
+              <a:t>‹#›</a:t>
             </a:fld>
             <a:endParaRPr lang="en-US"/>
           </a:p>
@@ -667,7 +674,7 @@
           <a:p>
             <a:fld id="{E21AA528-AEE3-624E-8B38-D80949268DB4}" type="datetimeFigureOut">
               <a:rPr lang="en-US" smtClean="0"/>
-              <a:t>10/18/24</a:t>
+              <a:t>10/23/2024</a:t>
             </a:fld>
             <a:endParaRPr lang="en-US"/>
           </a:p>
@@ -721,7 +728,7 @@
           <a:p>
             <a:fld id="{5769D6C6-203C-A44C-A197-921B864FF056}" type="slidenum">
               <a:rPr lang="en-US" smtClean="0"/>
-              <a:t>‹N°›</a:t>
+              <a:t>‹#›</a:t>
             </a:fld>
             <a:endParaRPr lang="en-US"/>
           </a:p>
@@ -867,7 +874,7 @@
           <a:p>
             <a:fld id="{E21AA528-AEE3-624E-8B38-D80949268DB4}" type="datetimeFigureOut">
               <a:rPr lang="en-US" smtClean="0"/>
-              <a:t>10/18/24</a:t>
+              <a:t>10/23/2024</a:t>
             </a:fld>
             <a:endParaRPr lang="en-US"/>
           </a:p>
@@ -921,7 +928,7 @@
           <a:p>
             <a:fld id="{5769D6C6-203C-A44C-A197-921B864FF056}" type="slidenum">
               <a:rPr lang="en-US" smtClean="0"/>
-              <a:t>‹N°›</a:t>
+              <a:t>‹#›</a:t>
             </a:fld>
             <a:endParaRPr lang="en-US"/>
           </a:p>
@@ -1143,7 +1150,7 @@
           <a:p>
             <a:fld id="{E21AA528-AEE3-624E-8B38-D80949268DB4}" type="datetimeFigureOut">
               <a:rPr lang="en-US" smtClean="0"/>
-              <a:t>10/18/24</a:t>
+              <a:t>10/23/2024</a:t>
             </a:fld>
             <a:endParaRPr lang="en-US"/>
           </a:p>
@@ -1197,7 +1204,7 @@
           <a:p>
             <a:fld id="{5769D6C6-203C-A44C-A197-921B864FF056}" type="slidenum">
               <a:rPr lang="en-US" smtClean="0"/>
-              <a:t>‹N°›</a:t>
+              <a:t>‹#›</a:t>
             </a:fld>
             <a:endParaRPr lang="en-US"/>
           </a:p>
@@ -1411,7 +1418,7 @@
           <a:p>
             <a:fld id="{E21AA528-AEE3-624E-8B38-D80949268DB4}" type="datetimeFigureOut">
               <a:rPr lang="en-US" smtClean="0"/>
-              <a:t>10/18/24</a:t>
+              <a:t>10/23/2024</a:t>
             </a:fld>
             <a:endParaRPr lang="en-US"/>
           </a:p>
@@ -1465,7 +1472,7 @@
           <a:p>
             <a:fld id="{5769D6C6-203C-A44C-A197-921B864FF056}" type="slidenum">
               <a:rPr lang="en-US" smtClean="0"/>
-              <a:t>‹N°›</a:t>
+              <a:t>‹#›</a:t>
             </a:fld>
             <a:endParaRPr lang="en-US"/>
           </a:p>
@@ -1826,7 +1833,7 @@
           <a:p>
             <a:fld id="{E21AA528-AEE3-624E-8B38-D80949268DB4}" type="datetimeFigureOut">
               <a:rPr lang="en-US" smtClean="0"/>
-              <a:t>10/18/24</a:t>
+              <a:t>10/23/2024</a:t>
             </a:fld>
             <a:endParaRPr lang="en-US"/>
           </a:p>
@@ -1880,7 +1887,7 @@
           <a:p>
             <a:fld id="{5769D6C6-203C-A44C-A197-921B864FF056}" type="slidenum">
               <a:rPr lang="en-US" smtClean="0"/>
-              <a:t>‹N°›</a:t>
+              <a:t>‹#›</a:t>
             </a:fld>
             <a:endParaRPr lang="en-US"/>
           </a:p>
@@ -1968,7 +1975,7 @@
           <a:p>
             <a:fld id="{E21AA528-AEE3-624E-8B38-D80949268DB4}" type="datetimeFigureOut">
               <a:rPr lang="en-US" smtClean="0"/>
-              <a:t>10/18/24</a:t>
+              <a:t>10/23/2024</a:t>
             </a:fld>
             <a:endParaRPr lang="en-US"/>
           </a:p>
@@ -2022,7 +2029,7 @@
           <a:p>
             <a:fld id="{5769D6C6-203C-A44C-A197-921B864FF056}" type="slidenum">
               <a:rPr lang="en-US" smtClean="0"/>
-              <a:t>‹N°›</a:t>
+              <a:t>‹#›</a:t>
             </a:fld>
             <a:endParaRPr lang="en-US"/>
           </a:p>
@@ -2081,7 +2088,7 @@
           <a:p>
             <a:fld id="{E21AA528-AEE3-624E-8B38-D80949268DB4}" type="datetimeFigureOut">
               <a:rPr lang="en-US" smtClean="0"/>
-              <a:t>10/18/24</a:t>
+              <a:t>10/23/2024</a:t>
             </a:fld>
             <a:endParaRPr lang="en-US"/>
           </a:p>
@@ -2135,7 +2142,7 @@
           <a:p>
             <a:fld id="{5769D6C6-203C-A44C-A197-921B864FF056}" type="slidenum">
               <a:rPr lang="en-US" smtClean="0"/>
-              <a:t>‹N°›</a:t>
+              <a:t>‹#›</a:t>
             </a:fld>
             <a:endParaRPr lang="en-US"/>
           </a:p>
@@ -2394,7 +2401,7 @@
           <a:p>
             <a:fld id="{E21AA528-AEE3-624E-8B38-D80949268DB4}" type="datetimeFigureOut">
               <a:rPr lang="en-US" smtClean="0"/>
-              <a:t>10/18/24</a:t>
+              <a:t>10/23/2024</a:t>
             </a:fld>
             <a:endParaRPr lang="en-US"/>
           </a:p>
@@ -2448,7 +2455,7 @@
           <a:p>
             <a:fld id="{5769D6C6-203C-A44C-A197-921B864FF056}" type="slidenum">
               <a:rPr lang="en-US" smtClean="0"/>
-              <a:t>‹N°›</a:t>
+              <a:t>‹#›</a:t>
             </a:fld>
             <a:endParaRPr lang="en-US"/>
           </a:p>
@@ -2683,7 +2690,7 @@
           <a:p>
             <a:fld id="{E21AA528-AEE3-624E-8B38-D80949268DB4}" type="datetimeFigureOut">
               <a:rPr lang="en-US" smtClean="0"/>
-              <a:t>10/18/24</a:t>
+              <a:t>10/23/2024</a:t>
             </a:fld>
             <a:endParaRPr lang="en-US"/>
           </a:p>
@@ -2737,7 +2744,7 @@
           <a:p>
             <a:fld id="{5769D6C6-203C-A44C-A197-921B864FF056}" type="slidenum">
               <a:rPr lang="en-US" smtClean="0"/>
-              <a:t>‹N°›</a:t>
+              <a:t>‹#›</a:t>
             </a:fld>
             <a:endParaRPr lang="en-US"/>
           </a:p>
@@ -2926,7 +2933,7 @@
           <a:p>
             <a:fld id="{E21AA528-AEE3-624E-8B38-D80949268DB4}" type="datetimeFigureOut">
               <a:rPr lang="en-US" smtClean="0"/>
-              <a:t>10/18/24</a:t>
+              <a:t>10/23/2024</a:t>
             </a:fld>
             <a:endParaRPr lang="en-US"/>
           </a:p>
@@ -3016,7 +3023,7 @@
           <a:p>
             <a:fld id="{5769D6C6-203C-A44C-A197-921B864FF056}" type="slidenum">
               <a:rPr lang="en-US" smtClean="0"/>
-              <a:t>‹N°›</a:t>
+              <a:t>‹#›</a:t>
             </a:fld>
             <a:endParaRPr lang="en-US"/>
           </a:p>
@@ -4008,6 +4015,3159 @@
 </p:sld>
 </file>
 
+<file path=ppt/slides/slide3.xml><?xml version="1.0" encoding="utf-8"?>
+<p:sld xmlns:a="http://schemas.openxmlformats.org/drawingml/2006/main" xmlns:r="http://schemas.openxmlformats.org/officeDocument/2006/relationships" xmlns:p="http://schemas.openxmlformats.org/presentationml/2006/main">
+  <p:cSld>
+    <p:spTree>
+      <p:nvGrpSpPr>
+        <p:cNvPr id="1" name=""/>
+        <p:cNvGrpSpPr/>
+        <p:nvPr/>
+      </p:nvGrpSpPr>
+      <p:grpSpPr>
+        <a:xfrm>
+          <a:off x="0" y="0"/>
+          <a:ext cx="0" cy="0"/>
+          <a:chOff x="0" y="0"/>
+          <a:chExt cx="0" cy="0"/>
+        </a:xfrm>
+      </p:grpSpPr>
+      <p:sp>
+        <p:nvSpPr>
+          <p:cNvPr id="6" name="Rectangle: Rounded Corners 5">
+            <a:extLst>
+              <a:ext uri="{FF2B5EF4-FFF2-40B4-BE49-F238E27FC236}">
+                <a16:creationId xmlns:a16="http://schemas.microsoft.com/office/drawing/2014/main" id="{4664BE6A-66D1-FD22-2891-BA12C4AB2790}"/>
+              </a:ext>
+            </a:extLst>
+          </p:cNvPr>
+          <p:cNvSpPr/>
+          <p:nvPr/>
+        </p:nvSpPr>
+        <p:spPr>
+          <a:xfrm>
+            <a:off x="4552718" y="909227"/>
+            <a:ext cx="1370194" cy="648924"/>
+          </a:xfrm>
+          <a:prstGeom prst="roundRect">
+            <a:avLst/>
+          </a:prstGeom>
+          <a:solidFill>
+            <a:srgbClr val="FF5722"/>
+          </a:solidFill>
+          <a:ln w="28575"/>
+        </p:spPr>
+        <p:style>
+          <a:lnRef idx="2">
+            <a:schemeClr val="accent1">
+              <a:shade val="15000"/>
+            </a:schemeClr>
+          </a:lnRef>
+          <a:fillRef idx="1">
+            <a:schemeClr val="accent1"/>
+          </a:fillRef>
+          <a:effectRef idx="0">
+            <a:schemeClr val="accent1"/>
+          </a:effectRef>
+          <a:fontRef idx="minor">
+            <a:schemeClr val="lt1"/>
+          </a:fontRef>
+        </p:style>
+        <p:txBody>
+          <a:bodyPr rtlCol="0" anchor="ctr"/>
+          <a:lstStyle/>
+          <a:p>
+            <a:pPr algn="ctr"/>
+            <a:r>
+              <a:rPr lang="en-US" sz="1200" dirty="0"/>
+              <a:t>Atmospheric Inversion Model</a:t>
+            </a:r>
+          </a:p>
+        </p:txBody>
+      </p:sp>
+      <p:sp>
+        <p:nvSpPr>
+          <p:cNvPr id="7" name="Rectangle: Rounded Corners 6">
+            <a:extLst>
+              <a:ext uri="{FF2B5EF4-FFF2-40B4-BE49-F238E27FC236}">
+                <a16:creationId xmlns:a16="http://schemas.microsoft.com/office/drawing/2014/main" id="{4D6C414E-8E45-35F9-B502-07205678A6DA}"/>
+              </a:ext>
+            </a:extLst>
+          </p:cNvPr>
+          <p:cNvSpPr/>
+          <p:nvPr/>
+        </p:nvSpPr>
+        <p:spPr>
+          <a:xfrm>
+            <a:off x="2006892" y="2106798"/>
+            <a:ext cx="1370194" cy="648924"/>
+          </a:xfrm>
+          <a:prstGeom prst="roundRect">
+            <a:avLst/>
+          </a:prstGeom>
+          <a:solidFill>
+            <a:srgbClr val="808080"/>
+          </a:solidFill>
+          <a:ln>
+            <a:noFill/>
+          </a:ln>
+        </p:spPr>
+        <p:style>
+          <a:lnRef idx="2">
+            <a:schemeClr val="accent1">
+              <a:shade val="15000"/>
+            </a:schemeClr>
+          </a:lnRef>
+          <a:fillRef idx="1">
+            <a:schemeClr val="accent1"/>
+          </a:fillRef>
+          <a:effectRef idx="0">
+            <a:schemeClr val="accent1"/>
+          </a:effectRef>
+          <a:fontRef idx="minor">
+            <a:schemeClr val="lt1"/>
+          </a:fontRef>
+        </p:style>
+        <p:txBody>
+          <a:bodyPr rtlCol="0" anchor="ctr"/>
+          <a:lstStyle/>
+          <a:p>
+            <a:pPr algn="ctr"/>
+            <a:r>
+              <a:rPr lang="en-US" sz="1200" dirty="0"/>
+              <a:t>Fossil Emissions</a:t>
+            </a:r>
+          </a:p>
+        </p:txBody>
+      </p:sp>
+      <p:sp>
+        <p:nvSpPr>
+          <p:cNvPr id="8" name="Rectangle: Rounded Corners 7">
+            <a:extLst>
+              <a:ext uri="{FF2B5EF4-FFF2-40B4-BE49-F238E27FC236}">
+                <a16:creationId xmlns:a16="http://schemas.microsoft.com/office/drawing/2014/main" id="{F82A4D0B-797E-E10E-5E27-77780A005A3A}"/>
+              </a:ext>
+            </a:extLst>
+          </p:cNvPr>
+          <p:cNvSpPr/>
+          <p:nvPr/>
+        </p:nvSpPr>
+        <p:spPr>
+          <a:xfrm>
+            <a:off x="3587993" y="2106798"/>
+            <a:ext cx="1370194" cy="648924"/>
+          </a:xfrm>
+          <a:prstGeom prst="roundRect">
+            <a:avLst/>
+          </a:prstGeom>
+          <a:solidFill>
+            <a:srgbClr val="16A124"/>
+          </a:solidFill>
+          <a:ln>
+            <a:noFill/>
+          </a:ln>
+        </p:spPr>
+        <p:style>
+          <a:lnRef idx="2">
+            <a:schemeClr val="accent1">
+              <a:shade val="15000"/>
+            </a:schemeClr>
+          </a:lnRef>
+          <a:fillRef idx="1">
+            <a:schemeClr val="accent1"/>
+          </a:fillRef>
+          <a:effectRef idx="0">
+            <a:schemeClr val="accent1"/>
+          </a:effectRef>
+          <a:fontRef idx="minor">
+            <a:schemeClr val="lt1"/>
+          </a:fontRef>
+        </p:style>
+        <p:txBody>
+          <a:bodyPr rtlCol="0" anchor="ctr"/>
+          <a:lstStyle/>
+          <a:p>
+            <a:pPr algn="ctr"/>
+            <a:r>
+              <a:rPr lang="en-US" sz="1200" dirty="0"/>
+              <a:t>Land Sink</a:t>
+            </a:r>
+          </a:p>
+        </p:txBody>
+      </p:sp>
+      <p:sp>
+        <p:nvSpPr>
+          <p:cNvPr id="9" name="Rectangle: Rounded Corners 8">
+            <a:extLst>
+              <a:ext uri="{FF2B5EF4-FFF2-40B4-BE49-F238E27FC236}">
+                <a16:creationId xmlns:a16="http://schemas.microsoft.com/office/drawing/2014/main" id="{954971F1-644C-B079-510B-7EF9CF761271}"/>
+              </a:ext>
+            </a:extLst>
+          </p:cNvPr>
+          <p:cNvSpPr/>
+          <p:nvPr/>
+        </p:nvSpPr>
+        <p:spPr>
+          <a:xfrm>
+            <a:off x="5165122" y="2106798"/>
+            <a:ext cx="1370194" cy="648924"/>
+          </a:xfrm>
+          <a:prstGeom prst="roundRect">
+            <a:avLst/>
+          </a:prstGeom>
+          <a:solidFill>
+            <a:srgbClr val="0C127D"/>
+          </a:solidFill>
+          <a:ln>
+            <a:noFill/>
+          </a:ln>
+        </p:spPr>
+        <p:style>
+          <a:lnRef idx="2">
+            <a:schemeClr val="accent1">
+              <a:shade val="15000"/>
+            </a:schemeClr>
+          </a:lnRef>
+          <a:fillRef idx="1">
+            <a:schemeClr val="accent1"/>
+          </a:fillRef>
+          <a:effectRef idx="0">
+            <a:schemeClr val="accent1"/>
+          </a:effectRef>
+          <a:fontRef idx="minor">
+            <a:schemeClr val="lt1"/>
+          </a:fontRef>
+        </p:style>
+        <p:txBody>
+          <a:bodyPr rtlCol="0" anchor="ctr"/>
+          <a:lstStyle/>
+          <a:p>
+            <a:pPr algn="ctr"/>
+            <a:r>
+              <a:rPr lang="en-US" sz="1200" dirty="0"/>
+              <a:t>Ocean Sink</a:t>
+            </a:r>
+          </a:p>
+        </p:txBody>
+      </p:sp>
+      <p:sp>
+        <p:nvSpPr>
+          <p:cNvPr id="10" name="Rectangle: Rounded Corners 9">
+            <a:extLst>
+              <a:ext uri="{FF2B5EF4-FFF2-40B4-BE49-F238E27FC236}">
+                <a16:creationId xmlns:a16="http://schemas.microsoft.com/office/drawing/2014/main" id="{A1F0C2D5-69F6-D8F0-02F8-2862EFDB38DC}"/>
+              </a:ext>
+            </a:extLst>
+          </p:cNvPr>
+          <p:cNvSpPr/>
+          <p:nvPr/>
+        </p:nvSpPr>
+        <p:spPr>
+          <a:xfrm>
+            <a:off x="6795276" y="2106798"/>
+            <a:ext cx="1357290" cy="648924"/>
+          </a:xfrm>
+          <a:prstGeom prst="roundRect">
+            <a:avLst/>
+          </a:prstGeom>
+          <a:solidFill>
+            <a:srgbClr val="5EABE6"/>
+          </a:solidFill>
+          <a:ln>
+            <a:noFill/>
+          </a:ln>
+        </p:spPr>
+        <p:style>
+          <a:lnRef idx="2">
+            <a:schemeClr val="accent1">
+              <a:shade val="15000"/>
+            </a:schemeClr>
+          </a:lnRef>
+          <a:fillRef idx="1">
+            <a:schemeClr val="accent1"/>
+          </a:fillRef>
+          <a:effectRef idx="0">
+            <a:schemeClr val="accent1"/>
+          </a:effectRef>
+          <a:fontRef idx="minor">
+            <a:schemeClr val="lt1"/>
+          </a:fontRef>
+        </p:style>
+        <p:txBody>
+          <a:bodyPr rtlCol="0" anchor="ctr"/>
+          <a:lstStyle/>
+          <a:p>
+            <a:pPr algn="ctr"/>
+            <a:r>
+              <a:rPr lang="en-US" sz="1200" dirty="0"/>
+              <a:t>Atmospheric CO</a:t>
+            </a:r>
+            <a:r>
+              <a:rPr lang="en-US" sz="1200" baseline="-25000" dirty="0"/>
+              <a:t>2</a:t>
+            </a:r>
+            <a:r>
+              <a:rPr lang="en-US" sz="1200" dirty="0"/>
+              <a:t> Growth Rate</a:t>
+            </a:r>
+          </a:p>
+          <a:p>
+            <a:pPr algn="ctr"/>
+            <a:r>
+              <a:rPr lang="en-US" sz="1000" dirty="0"/>
+              <a:t>from OCO-2 data</a:t>
+            </a:r>
+          </a:p>
+        </p:txBody>
+      </p:sp>
+      <p:sp>
+        <p:nvSpPr>
+          <p:cNvPr id="11" name="Rectangle: Rounded Corners 10">
+            <a:extLst>
+              <a:ext uri="{FF2B5EF4-FFF2-40B4-BE49-F238E27FC236}">
+                <a16:creationId xmlns:a16="http://schemas.microsoft.com/office/drawing/2014/main" id="{A838A51B-78BF-6A07-B537-3311ABCA50B7}"/>
+              </a:ext>
+            </a:extLst>
+          </p:cNvPr>
+          <p:cNvSpPr/>
+          <p:nvPr/>
+        </p:nvSpPr>
+        <p:spPr>
+          <a:xfrm>
+            <a:off x="6209339" y="909227"/>
+            <a:ext cx="1370194" cy="648924"/>
+          </a:xfrm>
+          <a:prstGeom prst="roundRect">
+            <a:avLst/>
+          </a:prstGeom>
+          <a:solidFill>
+            <a:srgbClr val="FF5722"/>
+          </a:solidFill>
+          <a:ln>
+            <a:noFill/>
+          </a:ln>
+        </p:spPr>
+        <p:style>
+          <a:lnRef idx="2">
+            <a:schemeClr val="accent1">
+              <a:shade val="15000"/>
+            </a:schemeClr>
+          </a:lnRef>
+          <a:fillRef idx="1">
+            <a:schemeClr val="accent1"/>
+          </a:fillRef>
+          <a:effectRef idx="0">
+            <a:schemeClr val="accent1"/>
+          </a:effectRef>
+          <a:fontRef idx="minor">
+            <a:schemeClr val="lt1"/>
+          </a:fontRef>
+        </p:style>
+        <p:txBody>
+          <a:bodyPr rtlCol="0" anchor="ctr"/>
+          <a:lstStyle/>
+          <a:p>
+            <a:pPr algn="ctr"/>
+            <a:r>
+              <a:rPr lang="en-US" sz="1050" dirty="0"/>
+              <a:t>OCO-2 Satellite</a:t>
+            </a:r>
+          </a:p>
+          <a:p>
+            <a:pPr algn="ctr"/>
+            <a:r>
+              <a:rPr lang="en-US" sz="1050" dirty="0"/>
+              <a:t>Observations of atmospheric CO</a:t>
+            </a:r>
+            <a:r>
+              <a:rPr lang="en-US" sz="1050" baseline="-25000" dirty="0"/>
+              <a:t>2</a:t>
+            </a:r>
+            <a:r>
+              <a:rPr lang="en-US" sz="1050" dirty="0"/>
+              <a:t> concentration</a:t>
+            </a:r>
+          </a:p>
+        </p:txBody>
+      </p:sp>
+      <p:cxnSp>
+        <p:nvCxnSpPr>
+          <p:cNvPr id="15" name="Connector: Elbow 14">
+            <a:extLst>
+              <a:ext uri="{FF2B5EF4-FFF2-40B4-BE49-F238E27FC236}">
+                <a16:creationId xmlns:a16="http://schemas.microsoft.com/office/drawing/2014/main" id="{26FFAAB2-76F2-A4C6-4DB1-390FBD0496E7}"/>
+              </a:ext>
+            </a:extLst>
+          </p:cNvPr>
+          <p:cNvCxnSpPr>
+            <a:cxnSpLocks/>
+            <a:stCxn id="7" idx="0"/>
+            <a:endCxn id="6" idx="1"/>
+          </p:cNvCxnSpPr>
+          <p:nvPr/>
+        </p:nvCxnSpPr>
+        <p:spPr>
+          <a:xfrm rot="5400000" flipH="1" flipV="1">
+            <a:off x="3185799" y="739880"/>
+            <a:ext cx="873109" cy="1860729"/>
+          </a:xfrm>
+          <a:prstGeom prst="bentConnector2">
+            <a:avLst/>
+          </a:prstGeom>
+          <a:ln w="9525">
+            <a:solidFill>
+              <a:schemeClr val="tx1">
+                <a:lumMod val="85000"/>
+                <a:lumOff val="15000"/>
+              </a:schemeClr>
+            </a:solidFill>
+            <a:prstDash val="dash"/>
+            <a:tailEnd type="triangle"/>
+          </a:ln>
+        </p:spPr>
+        <p:style>
+          <a:lnRef idx="1">
+            <a:schemeClr val="accent1"/>
+          </a:lnRef>
+          <a:fillRef idx="0">
+            <a:schemeClr val="accent1"/>
+          </a:fillRef>
+          <a:effectRef idx="0">
+            <a:schemeClr val="accent1"/>
+          </a:effectRef>
+          <a:fontRef idx="minor">
+            <a:schemeClr val="tx1"/>
+          </a:fontRef>
+        </p:style>
+      </p:cxnSp>
+      <p:cxnSp>
+        <p:nvCxnSpPr>
+          <p:cNvPr id="17" name="Straight Arrow Connector 16">
+            <a:extLst>
+              <a:ext uri="{FF2B5EF4-FFF2-40B4-BE49-F238E27FC236}">
+                <a16:creationId xmlns:a16="http://schemas.microsoft.com/office/drawing/2014/main" id="{F03D883D-3F09-9AB3-24A7-70BE430E7FDF}"/>
+              </a:ext>
+            </a:extLst>
+          </p:cNvPr>
+          <p:cNvCxnSpPr>
+            <a:cxnSpLocks/>
+            <a:stCxn id="11" idx="1"/>
+            <a:endCxn id="6" idx="3"/>
+          </p:cNvCxnSpPr>
+          <p:nvPr/>
+        </p:nvCxnSpPr>
+        <p:spPr>
+          <a:xfrm flipH="1">
+            <a:off x="5922912" y="1233689"/>
+            <a:ext cx="286427" cy="0"/>
+          </a:xfrm>
+          <a:prstGeom prst="straightConnector1">
+            <a:avLst/>
+          </a:prstGeom>
+          <a:ln w="9525">
+            <a:solidFill>
+              <a:schemeClr val="tx1">
+                <a:lumMod val="85000"/>
+                <a:lumOff val="15000"/>
+              </a:schemeClr>
+            </a:solidFill>
+            <a:prstDash val="dash"/>
+            <a:tailEnd type="triangle"/>
+          </a:ln>
+        </p:spPr>
+        <p:style>
+          <a:lnRef idx="1">
+            <a:schemeClr val="accent1"/>
+          </a:lnRef>
+          <a:fillRef idx="0">
+            <a:schemeClr val="accent1"/>
+          </a:fillRef>
+          <a:effectRef idx="0">
+            <a:schemeClr val="accent1"/>
+          </a:effectRef>
+          <a:fontRef idx="minor">
+            <a:schemeClr val="tx1"/>
+          </a:fontRef>
+        </p:style>
+      </p:cxnSp>
+      <p:cxnSp>
+        <p:nvCxnSpPr>
+          <p:cNvPr id="20" name="Connector: Elbow 19">
+            <a:extLst>
+              <a:ext uri="{FF2B5EF4-FFF2-40B4-BE49-F238E27FC236}">
+                <a16:creationId xmlns:a16="http://schemas.microsoft.com/office/drawing/2014/main" id="{965AFCB3-5706-9E7A-1C29-7E91BCDEFC20}"/>
+              </a:ext>
+            </a:extLst>
+          </p:cNvPr>
+          <p:cNvCxnSpPr>
+            <a:cxnSpLocks/>
+            <a:stCxn id="6" idx="2"/>
+            <a:endCxn id="8" idx="0"/>
+          </p:cNvCxnSpPr>
+          <p:nvPr/>
+        </p:nvCxnSpPr>
+        <p:spPr>
+          <a:xfrm rot="5400000">
+            <a:off x="4481130" y="1350112"/>
+            <a:ext cx="548647" cy="964725"/>
+          </a:xfrm>
+          <a:prstGeom prst="bentConnector3">
+            <a:avLst/>
+          </a:prstGeom>
+          <a:ln w="9525">
+            <a:solidFill>
+              <a:schemeClr val="tx1">
+                <a:lumMod val="85000"/>
+                <a:lumOff val="15000"/>
+              </a:schemeClr>
+            </a:solidFill>
+            <a:prstDash val="dash"/>
+            <a:tailEnd type="triangle"/>
+          </a:ln>
+        </p:spPr>
+        <p:style>
+          <a:lnRef idx="1">
+            <a:schemeClr val="accent1"/>
+          </a:lnRef>
+          <a:fillRef idx="0">
+            <a:schemeClr val="accent1"/>
+          </a:fillRef>
+          <a:effectRef idx="0">
+            <a:schemeClr val="accent1"/>
+          </a:effectRef>
+          <a:fontRef idx="minor">
+            <a:schemeClr val="tx1"/>
+          </a:fontRef>
+        </p:style>
+      </p:cxnSp>
+      <p:cxnSp>
+        <p:nvCxnSpPr>
+          <p:cNvPr id="22" name="Connector: Elbow 21">
+            <a:extLst>
+              <a:ext uri="{FF2B5EF4-FFF2-40B4-BE49-F238E27FC236}">
+                <a16:creationId xmlns:a16="http://schemas.microsoft.com/office/drawing/2014/main" id="{109A2033-A572-81DD-2AC1-50DDF29D4393}"/>
+              </a:ext>
+            </a:extLst>
+          </p:cNvPr>
+          <p:cNvCxnSpPr>
+            <a:cxnSpLocks/>
+            <a:stCxn id="6" idx="2"/>
+            <a:endCxn id="9" idx="0"/>
+          </p:cNvCxnSpPr>
+          <p:nvPr/>
+        </p:nvCxnSpPr>
+        <p:spPr>
+          <a:xfrm rot="16200000" flipH="1">
+            <a:off x="5269694" y="1526272"/>
+            <a:ext cx="548647" cy="612404"/>
+          </a:xfrm>
+          <a:prstGeom prst="bentConnector3">
+            <a:avLst/>
+          </a:prstGeom>
+          <a:ln w="9525">
+            <a:solidFill>
+              <a:schemeClr val="tx1">
+                <a:lumMod val="85000"/>
+                <a:lumOff val="15000"/>
+              </a:schemeClr>
+            </a:solidFill>
+            <a:prstDash val="dash"/>
+            <a:tailEnd type="triangle"/>
+          </a:ln>
+        </p:spPr>
+        <p:style>
+          <a:lnRef idx="1">
+            <a:schemeClr val="accent1"/>
+          </a:lnRef>
+          <a:fillRef idx="0">
+            <a:schemeClr val="accent1"/>
+          </a:fillRef>
+          <a:effectRef idx="0">
+            <a:schemeClr val="accent1"/>
+          </a:effectRef>
+          <a:fontRef idx="minor">
+            <a:schemeClr val="tx1"/>
+          </a:fontRef>
+        </p:style>
+      </p:cxnSp>
+      <p:cxnSp>
+        <p:nvCxnSpPr>
+          <p:cNvPr id="24" name="Connector: Elbow 23">
+            <a:extLst>
+              <a:ext uri="{FF2B5EF4-FFF2-40B4-BE49-F238E27FC236}">
+                <a16:creationId xmlns:a16="http://schemas.microsoft.com/office/drawing/2014/main" id="{F6964742-B5F5-9338-4034-9BA403CAC8E9}"/>
+              </a:ext>
+            </a:extLst>
+          </p:cNvPr>
+          <p:cNvCxnSpPr>
+            <a:cxnSpLocks/>
+            <a:stCxn id="6" idx="2"/>
+            <a:endCxn id="10" idx="0"/>
+          </p:cNvCxnSpPr>
+          <p:nvPr/>
+        </p:nvCxnSpPr>
+        <p:spPr>
+          <a:xfrm rot="16200000" flipH="1">
+            <a:off x="6081545" y="714421"/>
+            <a:ext cx="548647" cy="2236106"/>
+          </a:xfrm>
+          <a:prstGeom prst="bentConnector3">
+            <a:avLst/>
+          </a:prstGeom>
+          <a:ln w="9525">
+            <a:solidFill>
+              <a:schemeClr val="tx1">
+                <a:lumMod val="85000"/>
+                <a:lumOff val="15000"/>
+              </a:schemeClr>
+            </a:solidFill>
+            <a:prstDash val="dash"/>
+            <a:tailEnd type="triangle"/>
+          </a:ln>
+        </p:spPr>
+        <p:style>
+          <a:lnRef idx="1">
+            <a:schemeClr val="accent1"/>
+          </a:lnRef>
+          <a:fillRef idx="0">
+            <a:schemeClr val="accent1"/>
+          </a:fillRef>
+          <a:effectRef idx="0">
+            <a:schemeClr val="accent1"/>
+          </a:effectRef>
+          <a:fontRef idx="minor">
+            <a:schemeClr val="tx1"/>
+          </a:fontRef>
+        </p:style>
+      </p:cxnSp>
+      <p:sp>
+        <p:nvSpPr>
+          <p:cNvPr id="26" name="Rectangle: Rounded Corners 25">
+            <a:extLst>
+              <a:ext uri="{FF2B5EF4-FFF2-40B4-BE49-F238E27FC236}">
+                <a16:creationId xmlns:a16="http://schemas.microsoft.com/office/drawing/2014/main" id="{66103F50-0831-C95D-7369-A41EA3A57CD8}"/>
+              </a:ext>
+            </a:extLst>
+          </p:cNvPr>
+          <p:cNvSpPr/>
+          <p:nvPr/>
+        </p:nvSpPr>
+        <p:spPr>
+          <a:xfrm>
+            <a:off x="2820533" y="3104940"/>
+            <a:ext cx="1370194" cy="648924"/>
+          </a:xfrm>
+          <a:prstGeom prst="roundRect">
+            <a:avLst/>
+          </a:prstGeom>
+          <a:solidFill>
+            <a:srgbClr val="92D050"/>
+          </a:solidFill>
+          <a:ln w="28575">
+            <a:solidFill>
+              <a:schemeClr val="accent6">
+                <a:lumMod val="75000"/>
+              </a:schemeClr>
+            </a:solidFill>
+          </a:ln>
+        </p:spPr>
+        <p:style>
+          <a:lnRef idx="2">
+            <a:schemeClr val="accent1">
+              <a:shade val="15000"/>
+            </a:schemeClr>
+          </a:lnRef>
+          <a:fillRef idx="1">
+            <a:schemeClr val="accent1"/>
+          </a:fillRef>
+          <a:effectRef idx="0">
+            <a:schemeClr val="accent1"/>
+          </a:effectRef>
+          <a:fontRef idx="minor">
+            <a:schemeClr val="lt1"/>
+          </a:fontRef>
+        </p:style>
+        <p:txBody>
+          <a:bodyPr rtlCol="0" anchor="ctr"/>
+          <a:lstStyle/>
+          <a:p>
+            <a:pPr algn="ctr"/>
+            <a:r>
+              <a:rPr lang="en-US" sz="1200" dirty="0"/>
+              <a:t>Land Models</a:t>
+            </a:r>
+          </a:p>
+        </p:txBody>
+      </p:sp>
+      <p:sp>
+        <p:nvSpPr>
+          <p:cNvPr id="27" name="Rectangle: Rounded Corners 26">
+            <a:extLst>
+              <a:ext uri="{FF2B5EF4-FFF2-40B4-BE49-F238E27FC236}">
+                <a16:creationId xmlns:a16="http://schemas.microsoft.com/office/drawing/2014/main" id="{F6AA64B6-BBCE-7CAD-9877-1BA563093BBA}"/>
+              </a:ext>
+            </a:extLst>
+          </p:cNvPr>
+          <p:cNvSpPr/>
+          <p:nvPr/>
+        </p:nvSpPr>
+        <p:spPr>
+          <a:xfrm>
+            <a:off x="4412043" y="3094892"/>
+            <a:ext cx="1370194" cy="648924"/>
+          </a:xfrm>
+          <a:prstGeom prst="roundRect">
+            <a:avLst/>
+          </a:prstGeom>
+          <a:solidFill>
+            <a:srgbClr val="92D050"/>
+          </a:solidFill>
+          <a:ln w="28575">
+            <a:solidFill>
+              <a:srgbClr val="7030A0"/>
+            </a:solidFill>
+          </a:ln>
+        </p:spPr>
+        <p:style>
+          <a:lnRef idx="2">
+            <a:schemeClr val="accent1">
+              <a:shade val="15000"/>
+            </a:schemeClr>
+          </a:lnRef>
+          <a:fillRef idx="1">
+            <a:schemeClr val="accent1"/>
+          </a:fillRef>
+          <a:effectRef idx="0">
+            <a:schemeClr val="accent1"/>
+          </a:effectRef>
+          <a:fontRef idx="minor">
+            <a:schemeClr val="lt1"/>
+          </a:fontRef>
+        </p:style>
+        <p:txBody>
+          <a:bodyPr rtlCol="0" anchor="ctr"/>
+          <a:lstStyle/>
+          <a:p>
+            <a:pPr algn="ctr"/>
+            <a:r>
+              <a:rPr lang="en-US" sz="1200" dirty="0"/>
+              <a:t>Land AI Models</a:t>
+            </a:r>
+          </a:p>
+          <a:p>
+            <a:pPr algn="ctr"/>
+            <a:r>
+              <a:rPr lang="en-US" sz="1200" dirty="0"/>
+              <a:t>(emulators)</a:t>
+            </a:r>
+          </a:p>
+        </p:txBody>
+      </p:sp>
+      <p:sp>
+        <p:nvSpPr>
+          <p:cNvPr id="28" name="Rectangle: Rounded Corners 27">
+            <a:extLst>
+              <a:ext uri="{FF2B5EF4-FFF2-40B4-BE49-F238E27FC236}">
+                <a16:creationId xmlns:a16="http://schemas.microsoft.com/office/drawing/2014/main" id="{2B4A57B6-38F5-EBBE-5ABC-4A86C640DD54}"/>
+              </a:ext>
+            </a:extLst>
+          </p:cNvPr>
+          <p:cNvSpPr/>
+          <p:nvPr/>
+        </p:nvSpPr>
+        <p:spPr>
+          <a:xfrm>
+            <a:off x="5998432" y="3094892"/>
+            <a:ext cx="1370194" cy="648924"/>
+          </a:xfrm>
+          <a:prstGeom prst="roundRect">
+            <a:avLst/>
+          </a:prstGeom>
+          <a:solidFill>
+            <a:schemeClr val="accent1"/>
+          </a:solidFill>
+          <a:ln w="28575">
+            <a:solidFill>
+              <a:srgbClr val="7030A0"/>
+            </a:solidFill>
+          </a:ln>
+        </p:spPr>
+        <p:style>
+          <a:lnRef idx="2">
+            <a:schemeClr val="accent1">
+              <a:shade val="15000"/>
+            </a:schemeClr>
+          </a:lnRef>
+          <a:fillRef idx="1">
+            <a:schemeClr val="accent1"/>
+          </a:fillRef>
+          <a:effectRef idx="0">
+            <a:schemeClr val="accent1"/>
+          </a:effectRef>
+          <a:fontRef idx="minor">
+            <a:schemeClr val="lt1"/>
+          </a:fontRef>
+        </p:style>
+        <p:txBody>
+          <a:bodyPr rtlCol="0" anchor="ctr"/>
+          <a:lstStyle/>
+          <a:p>
+            <a:pPr algn="ctr"/>
+            <a:r>
+              <a:rPr lang="en-US" sz="1200" dirty="0"/>
+              <a:t>Ocean AI Models</a:t>
+            </a:r>
+          </a:p>
+          <a:p>
+            <a:pPr algn="ctr"/>
+            <a:r>
+              <a:rPr lang="en-US" sz="1200" dirty="0"/>
+              <a:t>(emulators)</a:t>
+            </a:r>
+          </a:p>
+        </p:txBody>
+      </p:sp>
+      <p:sp>
+        <p:nvSpPr>
+          <p:cNvPr id="29" name="Rectangle: Rounded Corners 28">
+            <a:extLst>
+              <a:ext uri="{FF2B5EF4-FFF2-40B4-BE49-F238E27FC236}">
+                <a16:creationId xmlns:a16="http://schemas.microsoft.com/office/drawing/2014/main" id="{1C4C950A-7C7E-0B76-B2DF-12D901ADD9CD}"/>
+              </a:ext>
+            </a:extLst>
+          </p:cNvPr>
+          <p:cNvSpPr/>
+          <p:nvPr/>
+        </p:nvSpPr>
+        <p:spPr>
+          <a:xfrm>
+            <a:off x="2006891" y="4478052"/>
+            <a:ext cx="1370194" cy="648924"/>
+          </a:xfrm>
+          <a:prstGeom prst="roundRect">
+            <a:avLst/>
+          </a:prstGeom>
+          <a:solidFill>
+            <a:srgbClr val="808080"/>
+          </a:solidFill>
+          <a:ln>
+            <a:noFill/>
+          </a:ln>
+        </p:spPr>
+        <p:style>
+          <a:lnRef idx="2">
+            <a:schemeClr val="accent1">
+              <a:shade val="15000"/>
+            </a:schemeClr>
+          </a:lnRef>
+          <a:fillRef idx="1">
+            <a:schemeClr val="accent1"/>
+          </a:fillRef>
+          <a:effectRef idx="0">
+            <a:schemeClr val="accent1"/>
+          </a:effectRef>
+          <a:fontRef idx="minor">
+            <a:schemeClr val="lt1"/>
+          </a:fontRef>
+        </p:style>
+        <p:txBody>
+          <a:bodyPr rtlCol="0" anchor="ctr"/>
+          <a:lstStyle/>
+          <a:p>
+            <a:pPr algn="ctr"/>
+            <a:r>
+              <a:rPr lang="en-US" sz="1200" dirty="0"/>
+              <a:t>Fossil Emissions</a:t>
+            </a:r>
+          </a:p>
+        </p:txBody>
+      </p:sp>
+      <p:sp>
+        <p:nvSpPr>
+          <p:cNvPr id="30" name="Rectangle: Rounded Corners 29">
+            <a:extLst>
+              <a:ext uri="{FF2B5EF4-FFF2-40B4-BE49-F238E27FC236}">
+                <a16:creationId xmlns:a16="http://schemas.microsoft.com/office/drawing/2014/main" id="{EA68B9AD-9DEB-CFF9-F621-98E62CCFC4E2}"/>
+              </a:ext>
+            </a:extLst>
+          </p:cNvPr>
+          <p:cNvSpPr/>
+          <p:nvPr/>
+        </p:nvSpPr>
+        <p:spPr>
+          <a:xfrm>
+            <a:off x="3581357" y="4492627"/>
+            <a:ext cx="1370194" cy="648924"/>
+          </a:xfrm>
+          <a:prstGeom prst="roundRect">
+            <a:avLst/>
+          </a:prstGeom>
+          <a:solidFill>
+            <a:srgbClr val="16A124"/>
+          </a:solidFill>
+          <a:ln>
+            <a:noFill/>
+          </a:ln>
+        </p:spPr>
+        <p:style>
+          <a:lnRef idx="2">
+            <a:schemeClr val="accent1">
+              <a:shade val="15000"/>
+            </a:schemeClr>
+          </a:lnRef>
+          <a:fillRef idx="1">
+            <a:schemeClr val="accent1"/>
+          </a:fillRef>
+          <a:effectRef idx="0">
+            <a:schemeClr val="accent1"/>
+          </a:effectRef>
+          <a:fontRef idx="minor">
+            <a:schemeClr val="lt1"/>
+          </a:fontRef>
+        </p:style>
+        <p:txBody>
+          <a:bodyPr rtlCol="0" anchor="ctr"/>
+          <a:lstStyle/>
+          <a:p>
+            <a:pPr algn="ctr"/>
+            <a:r>
+              <a:rPr lang="en-US" sz="1200" dirty="0"/>
+              <a:t>Land Sink</a:t>
+            </a:r>
+          </a:p>
+        </p:txBody>
+      </p:sp>
+      <p:sp>
+        <p:nvSpPr>
+          <p:cNvPr id="31" name="Rectangle: Rounded Corners 30">
+            <a:extLst>
+              <a:ext uri="{FF2B5EF4-FFF2-40B4-BE49-F238E27FC236}">
+                <a16:creationId xmlns:a16="http://schemas.microsoft.com/office/drawing/2014/main" id="{1B5605D5-D3F2-373B-A661-53CC0610078D}"/>
+              </a:ext>
+            </a:extLst>
+          </p:cNvPr>
+          <p:cNvSpPr/>
+          <p:nvPr/>
+        </p:nvSpPr>
+        <p:spPr>
+          <a:xfrm>
+            <a:off x="5188316" y="4492627"/>
+            <a:ext cx="1370194" cy="648924"/>
+          </a:xfrm>
+          <a:prstGeom prst="roundRect">
+            <a:avLst/>
+          </a:prstGeom>
+          <a:solidFill>
+            <a:srgbClr val="0C127D"/>
+          </a:solidFill>
+          <a:ln>
+            <a:noFill/>
+          </a:ln>
+        </p:spPr>
+        <p:style>
+          <a:lnRef idx="2">
+            <a:schemeClr val="accent1">
+              <a:shade val="15000"/>
+            </a:schemeClr>
+          </a:lnRef>
+          <a:fillRef idx="1">
+            <a:schemeClr val="accent1"/>
+          </a:fillRef>
+          <a:effectRef idx="0">
+            <a:schemeClr val="accent1"/>
+          </a:effectRef>
+          <a:fontRef idx="minor">
+            <a:schemeClr val="lt1"/>
+          </a:fontRef>
+        </p:style>
+        <p:txBody>
+          <a:bodyPr rtlCol="0" anchor="ctr"/>
+          <a:lstStyle/>
+          <a:p>
+            <a:pPr algn="ctr"/>
+            <a:r>
+              <a:rPr lang="en-US" sz="1200" dirty="0"/>
+              <a:t>Ocean Sink</a:t>
+            </a:r>
+          </a:p>
+        </p:txBody>
+      </p:sp>
+      <p:sp>
+        <p:nvSpPr>
+          <p:cNvPr id="32" name="Rectangle: Rounded Corners 31">
+            <a:extLst>
+              <a:ext uri="{FF2B5EF4-FFF2-40B4-BE49-F238E27FC236}">
+                <a16:creationId xmlns:a16="http://schemas.microsoft.com/office/drawing/2014/main" id="{F442D41F-4DC0-CA9A-B3E8-CB3FF817888B}"/>
+              </a:ext>
+            </a:extLst>
+          </p:cNvPr>
+          <p:cNvSpPr/>
+          <p:nvPr/>
+        </p:nvSpPr>
+        <p:spPr>
+          <a:xfrm>
+            <a:off x="6795276" y="4492627"/>
+            <a:ext cx="1370194" cy="648924"/>
+          </a:xfrm>
+          <a:prstGeom prst="roundRect">
+            <a:avLst/>
+          </a:prstGeom>
+          <a:solidFill>
+            <a:srgbClr val="5EABE6"/>
+          </a:solidFill>
+          <a:ln>
+            <a:noFill/>
+          </a:ln>
+        </p:spPr>
+        <p:style>
+          <a:lnRef idx="2">
+            <a:schemeClr val="accent1">
+              <a:shade val="15000"/>
+            </a:schemeClr>
+          </a:lnRef>
+          <a:fillRef idx="1">
+            <a:schemeClr val="accent1"/>
+          </a:fillRef>
+          <a:effectRef idx="0">
+            <a:schemeClr val="accent1"/>
+          </a:effectRef>
+          <a:fontRef idx="minor">
+            <a:schemeClr val="lt1"/>
+          </a:fontRef>
+        </p:style>
+        <p:txBody>
+          <a:bodyPr rtlCol="0" anchor="ctr"/>
+          <a:lstStyle/>
+          <a:p>
+            <a:pPr algn="ctr"/>
+            <a:r>
+              <a:rPr lang="en-US" sz="1100" dirty="0"/>
+              <a:t>Atmospheric CO</a:t>
+            </a:r>
+            <a:r>
+              <a:rPr lang="en-US" sz="1100" baseline="-25000" dirty="0"/>
+              <a:t>2</a:t>
+            </a:r>
+            <a:r>
+              <a:rPr lang="en-US" sz="1100" dirty="0"/>
+              <a:t> Growth Rate</a:t>
+            </a:r>
+          </a:p>
+          <a:p>
+            <a:pPr algn="ctr"/>
+            <a:r>
+              <a:rPr lang="en-US" sz="900" dirty="0"/>
+              <a:t>from NOAA and SCRIPPS stations</a:t>
+            </a:r>
+          </a:p>
+        </p:txBody>
+      </p:sp>
+      <p:sp>
+        <p:nvSpPr>
+          <p:cNvPr id="39" name="TextBox 38">
+            <a:extLst>
+              <a:ext uri="{FF2B5EF4-FFF2-40B4-BE49-F238E27FC236}">
+                <a16:creationId xmlns:a16="http://schemas.microsoft.com/office/drawing/2014/main" id="{E0EED445-0929-364B-0AF1-0BC85EE03C8B}"/>
+              </a:ext>
+            </a:extLst>
+          </p:cNvPr>
+          <p:cNvSpPr txBox="1"/>
+          <p:nvPr/>
+        </p:nvSpPr>
+        <p:spPr>
+          <a:xfrm>
+            <a:off x="4919893" y="4656853"/>
+            <a:ext cx="300082" cy="369332"/>
+          </a:xfrm>
+          <a:prstGeom prst="rect">
+            <a:avLst/>
+          </a:prstGeom>
+          <a:noFill/>
+        </p:spPr>
+        <p:txBody>
+          <a:bodyPr wrap="none" rtlCol="0">
+            <a:spAutoFit/>
+          </a:bodyPr>
+          <a:lstStyle/>
+          <a:p>
+            <a:r>
+              <a:rPr lang="en-US" dirty="0"/>
+              <a:t>+</a:t>
+            </a:r>
+          </a:p>
+        </p:txBody>
+      </p:sp>
+      <p:sp>
+        <p:nvSpPr>
+          <p:cNvPr id="40" name="TextBox 39">
+            <a:extLst>
+              <a:ext uri="{FF2B5EF4-FFF2-40B4-BE49-F238E27FC236}">
+                <a16:creationId xmlns:a16="http://schemas.microsoft.com/office/drawing/2014/main" id="{06E28AD3-A453-558D-53F8-21E8B8DDB22A}"/>
+              </a:ext>
+            </a:extLst>
+          </p:cNvPr>
+          <p:cNvSpPr txBox="1"/>
+          <p:nvPr/>
+        </p:nvSpPr>
+        <p:spPr>
+          <a:xfrm>
+            <a:off x="6519357" y="4656794"/>
+            <a:ext cx="300082" cy="369332"/>
+          </a:xfrm>
+          <a:prstGeom prst="rect">
+            <a:avLst/>
+          </a:prstGeom>
+          <a:noFill/>
+        </p:spPr>
+        <p:txBody>
+          <a:bodyPr wrap="none" rtlCol="0">
+            <a:spAutoFit/>
+          </a:bodyPr>
+          <a:lstStyle/>
+          <a:p>
+            <a:r>
+              <a:rPr lang="en-US" dirty="0"/>
+              <a:t>+</a:t>
+            </a:r>
+          </a:p>
+        </p:txBody>
+      </p:sp>
+      <p:sp>
+        <p:nvSpPr>
+          <p:cNvPr id="41" name="TextBox 40">
+            <a:extLst>
+              <a:ext uri="{FF2B5EF4-FFF2-40B4-BE49-F238E27FC236}">
+                <a16:creationId xmlns:a16="http://schemas.microsoft.com/office/drawing/2014/main" id="{8773C42C-9E7E-4815-0CC9-DF27A521CEE7}"/>
+              </a:ext>
+            </a:extLst>
+          </p:cNvPr>
+          <p:cNvSpPr txBox="1"/>
+          <p:nvPr/>
+        </p:nvSpPr>
+        <p:spPr>
+          <a:xfrm>
+            <a:off x="8152566" y="4656794"/>
+            <a:ext cx="300082" cy="369332"/>
+          </a:xfrm>
+          <a:prstGeom prst="rect">
+            <a:avLst/>
+          </a:prstGeom>
+          <a:noFill/>
+        </p:spPr>
+        <p:txBody>
+          <a:bodyPr wrap="none" rtlCol="0">
+            <a:spAutoFit/>
+          </a:bodyPr>
+          <a:lstStyle/>
+          <a:p>
+            <a:r>
+              <a:rPr lang="en-US" dirty="0"/>
+              <a:t>+</a:t>
+            </a:r>
+          </a:p>
+        </p:txBody>
+      </p:sp>
+      <p:sp>
+        <p:nvSpPr>
+          <p:cNvPr id="42" name="TextBox 41">
+            <a:extLst>
+              <a:ext uri="{FF2B5EF4-FFF2-40B4-BE49-F238E27FC236}">
+                <a16:creationId xmlns:a16="http://schemas.microsoft.com/office/drawing/2014/main" id="{6F206E30-6A69-C4EB-E6B4-9959E9D7F295}"/>
+              </a:ext>
+            </a:extLst>
+          </p:cNvPr>
+          <p:cNvSpPr txBox="1"/>
+          <p:nvPr/>
+        </p:nvSpPr>
+        <p:spPr>
+          <a:xfrm>
+            <a:off x="8261563" y="4645849"/>
+            <a:ext cx="776175" cy="430887"/>
+          </a:xfrm>
+          <a:prstGeom prst="rect">
+            <a:avLst/>
+          </a:prstGeom>
+          <a:noFill/>
+        </p:spPr>
+        <p:txBody>
+          <a:bodyPr wrap="none" rtlCol="0">
+            <a:spAutoFit/>
+          </a:bodyPr>
+          <a:lstStyle/>
+          <a:p>
+            <a:pPr algn="ctr"/>
+            <a:r>
+              <a:rPr lang="en-US" sz="1100" dirty="0"/>
+              <a:t>Budget </a:t>
+            </a:r>
+          </a:p>
+          <a:p>
+            <a:pPr algn="ctr"/>
+            <a:r>
+              <a:rPr lang="en-US" sz="1100" dirty="0"/>
+              <a:t>Imbalance</a:t>
+            </a:r>
+          </a:p>
+        </p:txBody>
+      </p:sp>
+      <p:cxnSp>
+        <p:nvCxnSpPr>
+          <p:cNvPr id="47" name="Connector: Elbow 46">
+            <a:extLst>
+              <a:ext uri="{FF2B5EF4-FFF2-40B4-BE49-F238E27FC236}">
+                <a16:creationId xmlns:a16="http://schemas.microsoft.com/office/drawing/2014/main" id="{AEA177AB-8EDA-019D-6FE9-A84883A9CBA5}"/>
+              </a:ext>
+            </a:extLst>
+          </p:cNvPr>
+          <p:cNvCxnSpPr>
+            <a:cxnSpLocks/>
+            <a:stCxn id="26" idx="2"/>
+            <a:endCxn id="30" idx="0"/>
+          </p:cNvCxnSpPr>
+          <p:nvPr/>
+        </p:nvCxnSpPr>
+        <p:spPr>
+          <a:xfrm rot="16200000" flipH="1">
+            <a:off x="3516661" y="3742833"/>
+            <a:ext cx="738763" cy="760824"/>
+          </a:xfrm>
+          <a:prstGeom prst="bentConnector3">
+            <a:avLst>
+              <a:gd name="adj1" fmla="val 50000"/>
+            </a:avLst>
+          </a:prstGeom>
+          <a:ln w="9525">
+            <a:solidFill>
+              <a:schemeClr val="tx1">
+                <a:lumMod val="85000"/>
+                <a:lumOff val="15000"/>
+              </a:schemeClr>
+            </a:solidFill>
+            <a:prstDash val="dash"/>
+            <a:tailEnd type="triangle"/>
+          </a:ln>
+        </p:spPr>
+        <p:style>
+          <a:lnRef idx="1">
+            <a:schemeClr val="accent1"/>
+          </a:lnRef>
+          <a:fillRef idx="0">
+            <a:schemeClr val="accent1"/>
+          </a:fillRef>
+          <a:effectRef idx="0">
+            <a:schemeClr val="accent1"/>
+          </a:effectRef>
+          <a:fontRef idx="minor">
+            <a:schemeClr val="tx1"/>
+          </a:fontRef>
+        </p:style>
+      </p:cxnSp>
+      <p:cxnSp>
+        <p:nvCxnSpPr>
+          <p:cNvPr id="50" name="Connector: Elbow 49">
+            <a:extLst>
+              <a:ext uri="{FF2B5EF4-FFF2-40B4-BE49-F238E27FC236}">
+                <a16:creationId xmlns:a16="http://schemas.microsoft.com/office/drawing/2014/main" id="{DCD7869D-0D99-CB92-3BAC-84DD8F1FB161}"/>
+              </a:ext>
+            </a:extLst>
+          </p:cNvPr>
+          <p:cNvCxnSpPr>
+            <a:cxnSpLocks/>
+            <a:stCxn id="27" idx="2"/>
+            <a:endCxn id="30" idx="0"/>
+          </p:cNvCxnSpPr>
+          <p:nvPr/>
+        </p:nvCxnSpPr>
+        <p:spPr>
+          <a:xfrm rot="5400000">
+            <a:off x="4307392" y="3702878"/>
+            <a:ext cx="748811" cy="830686"/>
+          </a:xfrm>
+          <a:prstGeom prst="bentConnector3">
+            <a:avLst>
+              <a:gd name="adj1" fmla="val 50000"/>
+            </a:avLst>
+          </a:prstGeom>
+          <a:ln w="9525">
+            <a:solidFill>
+              <a:schemeClr val="tx1">
+                <a:lumMod val="85000"/>
+                <a:lumOff val="15000"/>
+              </a:schemeClr>
+            </a:solidFill>
+            <a:prstDash val="dash"/>
+            <a:tailEnd type="triangle"/>
+          </a:ln>
+        </p:spPr>
+        <p:style>
+          <a:lnRef idx="1">
+            <a:schemeClr val="accent1"/>
+          </a:lnRef>
+          <a:fillRef idx="0">
+            <a:schemeClr val="accent1"/>
+          </a:fillRef>
+          <a:effectRef idx="0">
+            <a:schemeClr val="accent1"/>
+          </a:effectRef>
+          <a:fontRef idx="minor">
+            <a:schemeClr val="tx1"/>
+          </a:fontRef>
+        </p:style>
+      </p:cxnSp>
+      <p:cxnSp>
+        <p:nvCxnSpPr>
+          <p:cNvPr id="63" name="Connector: Elbow 62">
+            <a:extLst>
+              <a:ext uri="{FF2B5EF4-FFF2-40B4-BE49-F238E27FC236}">
+                <a16:creationId xmlns:a16="http://schemas.microsoft.com/office/drawing/2014/main" id="{246407D7-E4C1-D027-D5C0-341ABF106B6A}"/>
+              </a:ext>
+            </a:extLst>
+          </p:cNvPr>
+          <p:cNvCxnSpPr>
+            <a:cxnSpLocks/>
+            <a:stCxn id="28" idx="2"/>
+            <a:endCxn id="31" idx="0"/>
+          </p:cNvCxnSpPr>
+          <p:nvPr/>
+        </p:nvCxnSpPr>
+        <p:spPr>
+          <a:xfrm rot="5400000">
+            <a:off x="5904066" y="3713163"/>
+            <a:ext cx="748811" cy="810116"/>
+          </a:xfrm>
+          <a:prstGeom prst="bentConnector3">
+            <a:avLst>
+              <a:gd name="adj1" fmla="val 50000"/>
+            </a:avLst>
+          </a:prstGeom>
+          <a:ln w="9525">
+            <a:solidFill>
+              <a:schemeClr val="tx1">
+                <a:lumMod val="85000"/>
+                <a:lumOff val="15000"/>
+              </a:schemeClr>
+            </a:solidFill>
+            <a:prstDash val="dash"/>
+            <a:tailEnd type="triangle"/>
+          </a:ln>
+        </p:spPr>
+        <p:style>
+          <a:lnRef idx="1">
+            <a:schemeClr val="accent1"/>
+          </a:lnRef>
+          <a:fillRef idx="0">
+            <a:schemeClr val="accent1"/>
+          </a:fillRef>
+          <a:effectRef idx="0">
+            <a:schemeClr val="accent1"/>
+          </a:effectRef>
+          <a:fontRef idx="minor">
+            <a:schemeClr val="tx1"/>
+          </a:fontRef>
+        </p:style>
+      </p:cxnSp>
+      <p:sp>
+        <p:nvSpPr>
+          <p:cNvPr id="55" name="TextBox 38">
+            <a:extLst>
+              <a:ext uri="{FF2B5EF4-FFF2-40B4-BE49-F238E27FC236}">
+                <a16:creationId xmlns:a16="http://schemas.microsoft.com/office/drawing/2014/main" id="{AA85F366-CB97-8ABB-29D0-08531F78E40A}"/>
+              </a:ext>
+            </a:extLst>
+          </p:cNvPr>
+          <p:cNvSpPr txBox="1"/>
+          <p:nvPr/>
+        </p:nvSpPr>
+        <p:spPr>
+          <a:xfrm>
+            <a:off x="3323879" y="4668576"/>
+            <a:ext cx="300082" cy="369332"/>
+          </a:xfrm>
+          <a:prstGeom prst="rect">
+            <a:avLst/>
+          </a:prstGeom>
+          <a:noFill/>
+        </p:spPr>
+        <p:txBody>
+          <a:bodyPr wrap="none" rtlCol="0">
+            <a:spAutoFit/>
+          </a:bodyPr>
+          <a:lstStyle/>
+          <a:p>
+            <a:r>
+              <a:rPr lang="en-US" dirty="0"/>
+              <a:t>=</a:t>
+            </a:r>
+          </a:p>
+        </p:txBody>
+      </p:sp>
+      <p:cxnSp>
+        <p:nvCxnSpPr>
+          <p:cNvPr id="68" name="Connector: Elbow 49">
+            <a:extLst>
+              <a:ext uri="{FF2B5EF4-FFF2-40B4-BE49-F238E27FC236}">
+                <a16:creationId xmlns:a16="http://schemas.microsoft.com/office/drawing/2014/main" id="{C1BC99E3-6BDC-EF1C-DAC4-A5CE77EFDB23}"/>
+              </a:ext>
+            </a:extLst>
+          </p:cNvPr>
+          <p:cNvCxnSpPr>
+            <a:cxnSpLocks/>
+            <a:stCxn id="26" idx="3"/>
+            <a:endCxn id="27" idx="1"/>
+          </p:cNvCxnSpPr>
+          <p:nvPr/>
+        </p:nvCxnSpPr>
+        <p:spPr>
+          <a:xfrm flipV="1">
+            <a:off x="4190727" y="3419354"/>
+            <a:ext cx="221316" cy="10048"/>
+          </a:xfrm>
+          <a:prstGeom prst="bentConnector3">
+            <a:avLst>
+              <a:gd name="adj1" fmla="val 50000"/>
+            </a:avLst>
+          </a:prstGeom>
+          <a:ln w="9525">
+            <a:solidFill>
+              <a:schemeClr val="tx1">
+                <a:lumMod val="85000"/>
+                <a:lumOff val="15000"/>
+              </a:schemeClr>
+            </a:solidFill>
+            <a:prstDash val="dash"/>
+            <a:tailEnd type="triangle"/>
+          </a:ln>
+        </p:spPr>
+        <p:style>
+          <a:lnRef idx="1">
+            <a:schemeClr val="accent1"/>
+          </a:lnRef>
+          <a:fillRef idx="0">
+            <a:schemeClr val="accent1"/>
+          </a:fillRef>
+          <a:effectRef idx="0">
+            <a:schemeClr val="accent1"/>
+          </a:effectRef>
+          <a:fontRef idx="minor">
+            <a:schemeClr val="tx1"/>
+          </a:fontRef>
+        </p:style>
+      </p:cxnSp>
+    </p:spTree>
+    <p:extLst>
+      <p:ext uri="{BB962C8B-B14F-4D97-AF65-F5344CB8AC3E}">
+        <p14:creationId xmlns:p14="http://schemas.microsoft.com/office/powerpoint/2010/main" val="2123508543"/>
+      </p:ext>
+    </p:extLst>
+  </p:cSld>
+  <p:clrMapOvr>
+    <a:masterClrMapping/>
+  </p:clrMapOvr>
+</p:sld>
+</file>
+
+<file path=ppt/slides/slide4.xml><?xml version="1.0" encoding="utf-8"?>
+<p:sld xmlns:a="http://schemas.openxmlformats.org/drawingml/2006/main" xmlns:r="http://schemas.openxmlformats.org/officeDocument/2006/relationships" xmlns:p="http://schemas.openxmlformats.org/presentationml/2006/main">
+  <p:cSld>
+    <p:spTree>
+      <p:nvGrpSpPr>
+        <p:cNvPr id="1" name="">
+          <a:extLst>
+            <a:ext uri="{FF2B5EF4-FFF2-40B4-BE49-F238E27FC236}">
+              <a16:creationId xmlns:a16="http://schemas.microsoft.com/office/drawing/2014/main" id="{7665CBFF-8A8E-90C3-852B-24D0AA637747}"/>
+            </a:ext>
+          </a:extLst>
+        </p:cNvPr>
+        <p:cNvGrpSpPr/>
+        <p:nvPr/>
+      </p:nvGrpSpPr>
+      <p:grpSpPr>
+        <a:xfrm>
+          <a:off x="0" y="0"/>
+          <a:ext cx="0" cy="0"/>
+          <a:chOff x="0" y="0"/>
+          <a:chExt cx="0" cy="0"/>
+        </a:xfrm>
+      </p:grpSpPr>
+      <p:sp>
+        <p:nvSpPr>
+          <p:cNvPr id="7" name="Rectangle: Rounded Corners 6">
+            <a:extLst>
+              <a:ext uri="{FF2B5EF4-FFF2-40B4-BE49-F238E27FC236}">
+                <a16:creationId xmlns:a16="http://schemas.microsoft.com/office/drawing/2014/main" id="{8F670CB7-1868-14F5-715D-DBFED370CB7C}"/>
+              </a:ext>
+            </a:extLst>
+          </p:cNvPr>
+          <p:cNvSpPr/>
+          <p:nvPr/>
+        </p:nvSpPr>
+        <p:spPr>
+          <a:xfrm>
+            <a:off x="710330" y="287052"/>
+            <a:ext cx="1370194" cy="494950"/>
+          </a:xfrm>
+          <a:prstGeom prst="roundRect">
+            <a:avLst/>
+          </a:prstGeom>
+          <a:solidFill>
+            <a:srgbClr val="808080"/>
+          </a:solidFill>
+          <a:ln>
+            <a:noFill/>
+          </a:ln>
+        </p:spPr>
+        <p:style>
+          <a:lnRef idx="2">
+            <a:schemeClr val="accent1">
+              <a:shade val="15000"/>
+            </a:schemeClr>
+          </a:lnRef>
+          <a:fillRef idx="1">
+            <a:schemeClr val="accent1"/>
+          </a:fillRef>
+          <a:effectRef idx="0">
+            <a:schemeClr val="accent1"/>
+          </a:effectRef>
+          <a:fontRef idx="minor">
+            <a:schemeClr val="lt1"/>
+          </a:fontRef>
+        </p:style>
+        <p:txBody>
+          <a:bodyPr rtlCol="0" anchor="ctr"/>
+          <a:lstStyle/>
+          <a:p>
+            <a:pPr algn="ctr"/>
+            <a:r>
+              <a:rPr lang="en-US" sz="1200" dirty="0"/>
+              <a:t>Fossil Emissions</a:t>
+            </a:r>
+          </a:p>
+          <a:p>
+            <a:pPr algn="ctr"/>
+            <a:r>
+              <a:rPr lang="en-US" sz="1200" dirty="0"/>
+              <a:t>Estimates</a:t>
+            </a:r>
+          </a:p>
+        </p:txBody>
+      </p:sp>
+      <p:sp>
+        <p:nvSpPr>
+          <p:cNvPr id="8" name="Rectangle: Rounded Corners 7">
+            <a:extLst>
+              <a:ext uri="{FF2B5EF4-FFF2-40B4-BE49-F238E27FC236}">
+                <a16:creationId xmlns:a16="http://schemas.microsoft.com/office/drawing/2014/main" id="{059C6DB9-F24E-0E27-935B-7B8DE46C9574}"/>
+              </a:ext>
+            </a:extLst>
+          </p:cNvPr>
+          <p:cNvSpPr/>
+          <p:nvPr/>
+        </p:nvSpPr>
+        <p:spPr>
+          <a:xfrm>
+            <a:off x="913064" y="2538090"/>
+            <a:ext cx="1370194" cy="494950"/>
+          </a:xfrm>
+          <a:prstGeom prst="roundRect">
+            <a:avLst/>
+          </a:prstGeom>
+          <a:solidFill>
+            <a:srgbClr val="16A124"/>
+          </a:solidFill>
+          <a:ln>
+            <a:noFill/>
+          </a:ln>
+        </p:spPr>
+        <p:style>
+          <a:lnRef idx="2">
+            <a:schemeClr val="accent1">
+              <a:shade val="15000"/>
+            </a:schemeClr>
+          </a:lnRef>
+          <a:fillRef idx="1">
+            <a:schemeClr val="accent1"/>
+          </a:fillRef>
+          <a:effectRef idx="0">
+            <a:schemeClr val="accent1"/>
+          </a:effectRef>
+          <a:fontRef idx="minor">
+            <a:schemeClr val="lt1"/>
+          </a:fontRef>
+        </p:style>
+        <p:txBody>
+          <a:bodyPr rtlCol="0" anchor="ctr"/>
+          <a:lstStyle/>
+          <a:p>
+            <a:pPr algn="ctr"/>
+            <a:r>
+              <a:rPr lang="en-US" sz="1200" dirty="0"/>
+              <a:t>Land Sink</a:t>
+            </a:r>
+          </a:p>
+        </p:txBody>
+      </p:sp>
+      <p:sp>
+        <p:nvSpPr>
+          <p:cNvPr id="9" name="Rectangle: Rounded Corners 8">
+            <a:extLst>
+              <a:ext uri="{FF2B5EF4-FFF2-40B4-BE49-F238E27FC236}">
+                <a16:creationId xmlns:a16="http://schemas.microsoft.com/office/drawing/2014/main" id="{4658FF9A-E2A3-C400-BE22-F8F1B224219E}"/>
+              </a:ext>
+            </a:extLst>
+          </p:cNvPr>
+          <p:cNvSpPr/>
+          <p:nvPr/>
+        </p:nvSpPr>
+        <p:spPr>
+          <a:xfrm>
+            <a:off x="2490193" y="2531722"/>
+            <a:ext cx="1370194" cy="494950"/>
+          </a:xfrm>
+          <a:prstGeom prst="roundRect">
+            <a:avLst/>
+          </a:prstGeom>
+          <a:solidFill>
+            <a:srgbClr val="0C127D"/>
+          </a:solidFill>
+          <a:ln>
+            <a:noFill/>
+          </a:ln>
+        </p:spPr>
+        <p:style>
+          <a:lnRef idx="2">
+            <a:schemeClr val="accent1">
+              <a:shade val="15000"/>
+            </a:schemeClr>
+          </a:lnRef>
+          <a:fillRef idx="1">
+            <a:schemeClr val="accent1"/>
+          </a:fillRef>
+          <a:effectRef idx="0">
+            <a:schemeClr val="accent1"/>
+          </a:effectRef>
+          <a:fontRef idx="minor">
+            <a:schemeClr val="lt1"/>
+          </a:fontRef>
+        </p:style>
+        <p:txBody>
+          <a:bodyPr rtlCol="0" anchor="ctr"/>
+          <a:lstStyle/>
+          <a:p>
+            <a:pPr algn="ctr"/>
+            <a:r>
+              <a:rPr lang="en-US" sz="1200" dirty="0"/>
+              <a:t>Ocean Sink</a:t>
+            </a:r>
+          </a:p>
+        </p:txBody>
+      </p:sp>
+      <p:sp>
+        <p:nvSpPr>
+          <p:cNvPr id="10" name="Rectangle: Rounded Corners 9">
+            <a:extLst>
+              <a:ext uri="{FF2B5EF4-FFF2-40B4-BE49-F238E27FC236}">
+                <a16:creationId xmlns:a16="http://schemas.microsoft.com/office/drawing/2014/main" id="{09BC6447-0FEF-93CF-83A4-EA4829BC7D40}"/>
+              </a:ext>
+            </a:extLst>
+          </p:cNvPr>
+          <p:cNvSpPr/>
+          <p:nvPr/>
+        </p:nvSpPr>
+        <p:spPr>
+          <a:xfrm>
+            <a:off x="4078627" y="2538090"/>
+            <a:ext cx="1370194" cy="494950"/>
+          </a:xfrm>
+          <a:prstGeom prst="roundRect">
+            <a:avLst/>
+          </a:prstGeom>
+          <a:solidFill>
+            <a:srgbClr val="5EABE6"/>
+          </a:solidFill>
+          <a:ln>
+            <a:noFill/>
+          </a:ln>
+        </p:spPr>
+        <p:style>
+          <a:lnRef idx="2">
+            <a:schemeClr val="accent1">
+              <a:shade val="15000"/>
+            </a:schemeClr>
+          </a:lnRef>
+          <a:fillRef idx="1">
+            <a:schemeClr val="accent1"/>
+          </a:fillRef>
+          <a:effectRef idx="0">
+            <a:schemeClr val="accent1"/>
+          </a:effectRef>
+          <a:fontRef idx="minor">
+            <a:schemeClr val="lt1"/>
+          </a:fontRef>
+        </p:style>
+        <p:txBody>
+          <a:bodyPr rtlCol="0" anchor="ctr"/>
+          <a:lstStyle/>
+          <a:p>
+            <a:pPr algn="ctr"/>
+            <a:r>
+              <a:rPr lang="en-US" sz="1100" dirty="0"/>
+              <a:t>CO2 Growth Rate</a:t>
+            </a:r>
+          </a:p>
+          <a:p>
+            <a:pPr algn="ctr"/>
+            <a:r>
+              <a:rPr lang="en-US" sz="900" dirty="0"/>
+              <a:t>from satellite data</a:t>
+            </a:r>
+          </a:p>
+        </p:txBody>
+      </p:sp>
+      <p:sp>
+        <p:nvSpPr>
+          <p:cNvPr id="11" name="Rectangle: Rounded Corners 10">
+            <a:extLst>
+              <a:ext uri="{FF2B5EF4-FFF2-40B4-BE49-F238E27FC236}">
+                <a16:creationId xmlns:a16="http://schemas.microsoft.com/office/drawing/2014/main" id="{F36484AE-B74C-C56A-802D-77BB7BDFC2B9}"/>
+              </a:ext>
+            </a:extLst>
+          </p:cNvPr>
+          <p:cNvSpPr/>
+          <p:nvPr/>
+        </p:nvSpPr>
+        <p:spPr>
+          <a:xfrm>
+            <a:off x="3933092" y="1337335"/>
+            <a:ext cx="1370194" cy="494950"/>
+          </a:xfrm>
+          <a:prstGeom prst="roundRect">
+            <a:avLst/>
+          </a:prstGeom>
+          <a:solidFill>
+            <a:srgbClr val="FF5722"/>
+          </a:solidFill>
+          <a:ln>
+            <a:noFill/>
+          </a:ln>
+        </p:spPr>
+        <p:style>
+          <a:lnRef idx="2">
+            <a:schemeClr val="accent1">
+              <a:shade val="15000"/>
+            </a:schemeClr>
+          </a:lnRef>
+          <a:fillRef idx="1">
+            <a:schemeClr val="accent1"/>
+          </a:fillRef>
+          <a:effectRef idx="0">
+            <a:schemeClr val="accent1"/>
+          </a:effectRef>
+          <a:fontRef idx="minor">
+            <a:schemeClr val="lt1"/>
+          </a:fontRef>
+        </p:style>
+        <p:txBody>
+          <a:bodyPr rtlCol="0" anchor="ctr"/>
+          <a:lstStyle/>
+          <a:p>
+            <a:pPr algn="ctr"/>
+            <a:r>
+              <a:rPr lang="en-US" sz="1050" dirty="0"/>
+              <a:t>OCO2 Satellite Data</a:t>
+            </a:r>
+          </a:p>
+        </p:txBody>
+      </p:sp>
+      <p:cxnSp>
+        <p:nvCxnSpPr>
+          <p:cNvPr id="15" name="Connector: Elbow 14">
+            <a:extLst>
+              <a:ext uri="{FF2B5EF4-FFF2-40B4-BE49-F238E27FC236}">
+                <a16:creationId xmlns:a16="http://schemas.microsoft.com/office/drawing/2014/main" id="{E498755E-9BA0-E9DA-8E30-BABE22C0715D}"/>
+              </a:ext>
+            </a:extLst>
+          </p:cNvPr>
+          <p:cNvCxnSpPr>
+            <a:cxnSpLocks/>
+            <a:stCxn id="7" idx="2"/>
+            <a:endCxn id="6" idx="0"/>
+          </p:cNvCxnSpPr>
+          <p:nvPr/>
+        </p:nvCxnSpPr>
+        <p:spPr>
+          <a:xfrm rot="16200000" flipH="1">
+            <a:off x="1701490" y="475938"/>
+            <a:ext cx="555333" cy="1167459"/>
+          </a:xfrm>
+          <a:prstGeom prst="bentConnector3">
+            <a:avLst>
+              <a:gd name="adj1" fmla="val 50000"/>
+            </a:avLst>
+          </a:prstGeom>
+          <a:ln w="9525">
+            <a:solidFill>
+              <a:srgbClr val="FF5722"/>
+            </a:solidFill>
+            <a:prstDash val="dash"/>
+            <a:tailEnd type="triangle"/>
+          </a:ln>
+        </p:spPr>
+        <p:style>
+          <a:lnRef idx="1">
+            <a:schemeClr val="accent1"/>
+          </a:lnRef>
+          <a:fillRef idx="0">
+            <a:schemeClr val="accent1"/>
+          </a:fillRef>
+          <a:effectRef idx="0">
+            <a:schemeClr val="accent1"/>
+          </a:effectRef>
+          <a:fontRef idx="minor">
+            <a:schemeClr val="tx1"/>
+          </a:fontRef>
+        </p:style>
+      </p:cxnSp>
+      <p:cxnSp>
+        <p:nvCxnSpPr>
+          <p:cNvPr id="17" name="Straight Arrow Connector 16">
+            <a:extLst>
+              <a:ext uri="{FF2B5EF4-FFF2-40B4-BE49-F238E27FC236}">
+                <a16:creationId xmlns:a16="http://schemas.microsoft.com/office/drawing/2014/main" id="{7E85BD21-368D-861E-6872-CDDE9392FECD}"/>
+              </a:ext>
+            </a:extLst>
+          </p:cNvPr>
+          <p:cNvCxnSpPr>
+            <a:cxnSpLocks/>
+            <a:stCxn id="11" idx="1"/>
+            <a:endCxn id="6" idx="3"/>
+          </p:cNvCxnSpPr>
+          <p:nvPr/>
+        </p:nvCxnSpPr>
+        <p:spPr>
+          <a:xfrm flipH="1">
+            <a:off x="3247983" y="1584810"/>
+            <a:ext cx="685109" cy="0"/>
+          </a:xfrm>
+          <a:prstGeom prst="straightConnector1">
+            <a:avLst/>
+          </a:prstGeom>
+          <a:ln w="9525">
+            <a:solidFill>
+              <a:schemeClr val="tx1">
+                <a:lumMod val="85000"/>
+                <a:lumOff val="15000"/>
+              </a:schemeClr>
+            </a:solidFill>
+            <a:prstDash val="dash"/>
+            <a:tailEnd type="triangle"/>
+          </a:ln>
+        </p:spPr>
+        <p:style>
+          <a:lnRef idx="1">
+            <a:schemeClr val="accent1"/>
+          </a:lnRef>
+          <a:fillRef idx="0">
+            <a:schemeClr val="accent1"/>
+          </a:fillRef>
+          <a:effectRef idx="0">
+            <a:schemeClr val="accent1"/>
+          </a:effectRef>
+          <a:fontRef idx="minor">
+            <a:schemeClr val="tx1"/>
+          </a:fontRef>
+        </p:style>
+      </p:cxnSp>
+      <p:cxnSp>
+        <p:nvCxnSpPr>
+          <p:cNvPr id="20" name="Connector: Elbow 19">
+            <a:extLst>
+              <a:ext uri="{FF2B5EF4-FFF2-40B4-BE49-F238E27FC236}">
+                <a16:creationId xmlns:a16="http://schemas.microsoft.com/office/drawing/2014/main" id="{4E60D2AE-2057-D998-F368-D0BA0B4B4EAB}"/>
+              </a:ext>
+            </a:extLst>
+          </p:cNvPr>
+          <p:cNvCxnSpPr>
+            <a:cxnSpLocks/>
+            <a:stCxn id="6" idx="2"/>
+            <a:endCxn id="8" idx="0"/>
+          </p:cNvCxnSpPr>
+          <p:nvPr/>
+        </p:nvCxnSpPr>
+        <p:spPr>
+          <a:xfrm rot="5400000">
+            <a:off x="1727622" y="1702825"/>
+            <a:ext cx="705805" cy="964725"/>
+          </a:xfrm>
+          <a:prstGeom prst="bentConnector3">
+            <a:avLst/>
+          </a:prstGeom>
+          <a:ln w="9525">
+            <a:solidFill>
+              <a:schemeClr val="tx1">
+                <a:lumMod val="85000"/>
+                <a:lumOff val="15000"/>
+              </a:schemeClr>
+            </a:solidFill>
+            <a:prstDash val="dash"/>
+            <a:tailEnd type="triangle"/>
+          </a:ln>
+        </p:spPr>
+        <p:style>
+          <a:lnRef idx="1">
+            <a:schemeClr val="accent1"/>
+          </a:lnRef>
+          <a:fillRef idx="0">
+            <a:schemeClr val="accent1"/>
+          </a:fillRef>
+          <a:effectRef idx="0">
+            <a:schemeClr val="accent1"/>
+          </a:effectRef>
+          <a:fontRef idx="minor">
+            <a:schemeClr val="tx1"/>
+          </a:fontRef>
+        </p:style>
+      </p:cxnSp>
+      <p:cxnSp>
+        <p:nvCxnSpPr>
+          <p:cNvPr id="22" name="Connector: Elbow 21">
+            <a:extLst>
+              <a:ext uri="{FF2B5EF4-FFF2-40B4-BE49-F238E27FC236}">
+                <a16:creationId xmlns:a16="http://schemas.microsoft.com/office/drawing/2014/main" id="{16DCB275-4B08-618C-492B-EA1C93F72329}"/>
+              </a:ext>
+            </a:extLst>
+          </p:cNvPr>
+          <p:cNvCxnSpPr>
+            <a:cxnSpLocks/>
+            <a:stCxn id="6" idx="2"/>
+            <a:endCxn id="9" idx="0"/>
+          </p:cNvCxnSpPr>
+          <p:nvPr/>
+        </p:nvCxnSpPr>
+        <p:spPr>
+          <a:xfrm rot="16200000" flipH="1">
+            <a:off x="2519370" y="1875801"/>
+            <a:ext cx="699437" cy="612404"/>
+          </a:xfrm>
+          <a:prstGeom prst="bentConnector3">
+            <a:avLst/>
+          </a:prstGeom>
+          <a:ln w="9525">
+            <a:solidFill>
+              <a:schemeClr val="tx1">
+                <a:lumMod val="85000"/>
+                <a:lumOff val="15000"/>
+              </a:schemeClr>
+            </a:solidFill>
+            <a:prstDash val="dash"/>
+            <a:tailEnd type="triangle"/>
+          </a:ln>
+        </p:spPr>
+        <p:style>
+          <a:lnRef idx="1">
+            <a:schemeClr val="accent1"/>
+          </a:lnRef>
+          <a:fillRef idx="0">
+            <a:schemeClr val="accent1"/>
+          </a:fillRef>
+          <a:effectRef idx="0">
+            <a:schemeClr val="accent1"/>
+          </a:effectRef>
+          <a:fontRef idx="minor">
+            <a:schemeClr val="tx1"/>
+          </a:fontRef>
+        </p:style>
+      </p:cxnSp>
+      <p:cxnSp>
+        <p:nvCxnSpPr>
+          <p:cNvPr id="24" name="Connector: Elbow 23">
+            <a:extLst>
+              <a:ext uri="{FF2B5EF4-FFF2-40B4-BE49-F238E27FC236}">
+                <a16:creationId xmlns:a16="http://schemas.microsoft.com/office/drawing/2014/main" id="{CABA7701-225D-5B4B-B107-77E25EE852A8}"/>
+              </a:ext>
+            </a:extLst>
+          </p:cNvPr>
+          <p:cNvCxnSpPr>
+            <a:cxnSpLocks/>
+            <a:stCxn id="6" idx="2"/>
+            <a:endCxn id="10" idx="0"/>
+          </p:cNvCxnSpPr>
+          <p:nvPr/>
+        </p:nvCxnSpPr>
+        <p:spPr>
+          <a:xfrm rot="16200000" flipH="1">
+            <a:off x="3310403" y="1084768"/>
+            <a:ext cx="705805" cy="2200838"/>
+          </a:xfrm>
+          <a:prstGeom prst="bentConnector3">
+            <a:avLst/>
+          </a:prstGeom>
+          <a:ln w="9525">
+            <a:solidFill>
+              <a:schemeClr val="tx1">
+                <a:lumMod val="85000"/>
+                <a:lumOff val="15000"/>
+              </a:schemeClr>
+            </a:solidFill>
+            <a:prstDash val="dash"/>
+            <a:tailEnd type="triangle"/>
+          </a:ln>
+        </p:spPr>
+        <p:style>
+          <a:lnRef idx="1">
+            <a:schemeClr val="accent1"/>
+          </a:lnRef>
+          <a:fillRef idx="0">
+            <a:schemeClr val="accent1"/>
+          </a:fillRef>
+          <a:effectRef idx="0">
+            <a:schemeClr val="accent1"/>
+          </a:effectRef>
+          <a:fontRef idx="minor">
+            <a:schemeClr val="tx1"/>
+          </a:fontRef>
+        </p:style>
+      </p:cxnSp>
+      <p:sp>
+        <p:nvSpPr>
+          <p:cNvPr id="26" name="Rectangle: Rounded Corners 25">
+            <a:extLst>
+              <a:ext uri="{FF2B5EF4-FFF2-40B4-BE49-F238E27FC236}">
+                <a16:creationId xmlns:a16="http://schemas.microsoft.com/office/drawing/2014/main" id="{AAC4A122-B000-7BBA-A25F-587136332BAF}"/>
+              </a:ext>
+            </a:extLst>
+          </p:cNvPr>
+          <p:cNvSpPr/>
+          <p:nvPr/>
+        </p:nvSpPr>
+        <p:spPr>
+          <a:xfrm>
+            <a:off x="379122" y="4424081"/>
+            <a:ext cx="1370194" cy="494950"/>
+          </a:xfrm>
+          <a:prstGeom prst="roundRect">
+            <a:avLst/>
+          </a:prstGeom>
+          <a:solidFill>
+            <a:srgbClr val="16A124"/>
+          </a:solidFill>
+          <a:ln>
+            <a:noFill/>
+          </a:ln>
+        </p:spPr>
+        <p:style>
+          <a:lnRef idx="2">
+            <a:schemeClr val="accent1">
+              <a:shade val="15000"/>
+            </a:schemeClr>
+          </a:lnRef>
+          <a:fillRef idx="1">
+            <a:schemeClr val="accent1"/>
+          </a:fillRef>
+          <a:effectRef idx="0">
+            <a:schemeClr val="accent1"/>
+          </a:effectRef>
+          <a:fontRef idx="minor">
+            <a:schemeClr val="lt1"/>
+          </a:fontRef>
+        </p:style>
+        <p:txBody>
+          <a:bodyPr rtlCol="0" anchor="ctr"/>
+          <a:lstStyle/>
+          <a:p>
+            <a:pPr algn="ctr"/>
+            <a:r>
+              <a:rPr lang="en-US" sz="1200" dirty="0"/>
+              <a:t>Land Models</a:t>
+            </a:r>
+          </a:p>
+        </p:txBody>
+      </p:sp>
+      <p:sp>
+        <p:nvSpPr>
+          <p:cNvPr id="27" name="Rectangle: Rounded Corners 26">
+            <a:extLst>
+              <a:ext uri="{FF2B5EF4-FFF2-40B4-BE49-F238E27FC236}">
+                <a16:creationId xmlns:a16="http://schemas.microsoft.com/office/drawing/2014/main" id="{6F548376-A6A9-E759-B3C6-FDCAF579B326}"/>
+              </a:ext>
+            </a:extLst>
+          </p:cNvPr>
+          <p:cNvSpPr/>
+          <p:nvPr/>
+        </p:nvSpPr>
+        <p:spPr>
+          <a:xfrm>
+            <a:off x="2015677" y="4417702"/>
+            <a:ext cx="1370194" cy="494950"/>
+          </a:xfrm>
+          <a:prstGeom prst="roundRect">
+            <a:avLst/>
+          </a:prstGeom>
+          <a:solidFill>
+            <a:srgbClr val="16A124"/>
+          </a:solidFill>
+          <a:ln w="28575">
+            <a:solidFill>
+              <a:srgbClr val="7030A0"/>
+            </a:solidFill>
+          </a:ln>
+        </p:spPr>
+        <p:style>
+          <a:lnRef idx="2">
+            <a:schemeClr val="accent1">
+              <a:shade val="15000"/>
+            </a:schemeClr>
+          </a:lnRef>
+          <a:fillRef idx="1">
+            <a:schemeClr val="accent1"/>
+          </a:fillRef>
+          <a:effectRef idx="0">
+            <a:schemeClr val="accent1"/>
+          </a:effectRef>
+          <a:fontRef idx="minor">
+            <a:schemeClr val="lt1"/>
+          </a:fontRef>
+        </p:style>
+        <p:txBody>
+          <a:bodyPr rtlCol="0" anchor="ctr"/>
+          <a:lstStyle/>
+          <a:p>
+            <a:pPr algn="ctr"/>
+            <a:r>
+              <a:rPr lang="en-US" sz="1200" dirty="0"/>
+              <a:t>Land AI Models</a:t>
+            </a:r>
+          </a:p>
+          <a:p>
+            <a:pPr algn="ctr"/>
+            <a:r>
+              <a:rPr lang="en-US" sz="1200" dirty="0"/>
+              <a:t>(emulators)</a:t>
+            </a:r>
+          </a:p>
+        </p:txBody>
+      </p:sp>
+      <p:sp>
+        <p:nvSpPr>
+          <p:cNvPr id="28" name="Rectangle: Rounded Corners 27">
+            <a:extLst>
+              <a:ext uri="{FF2B5EF4-FFF2-40B4-BE49-F238E27FC236}">
+                <a16:creationId xmlns:a16="http://schemas.microsoft.com/office/drawing/2014/main" id="{D1FACAC2-EF9B-604D-62BA-543B8995B982}"/>
+              </a:ext>
+            </a:extLst>
+          </p:cNvPr>
+          <p:cNvSpPr/>
+          <p:nvPr/>
+        </p:nvSpPr>
+        <p:spPr>
+          <a:xfrm>
+            <a:off x="3775569" y="4417702"/>
+            <a:ext cx="1370194" cy="494950"/>
+          </a:xfrm>
+          <a:prstGeom prst="roundRect">
+            <a:avLst/>
+          </a:prstGeom>
+          <a:solidFill>
+            <a:srgbClr val="0C127D"/>
+          </a:solidFill>
+          <a:ln w="28575">
+            <a:solidFill>
+              <a:srgbClr val="7030A0"/>
+            </a:solidFill>
+          </a:ln>
+        </p:spPr>
+        <p:style>
+          <a:lnRef idx="2">
+            <a:schemeClr val="accent1">
+              <a:shade val="15000"/>
+            </a:schemeClr>
+          </a:lnRef>
+          <a:fillRef idx="1">
+            <a:schemeClr val="accent1"/>
+          </a:fillRef>
+          <a:effectRef idx="0">
+            <a:schemeClr val="accent1"/>
+          </a:effectRef>
+          <a:fontRef idx="minor">
+            <a:schemeClr val="lt1"/>
+          </a:fontRef>
+        </p:style>
+        <p:txBody>
+          <a:bodyPr rtlCol="0" anchor="ctr"/>
+          <a:lstStyle/>
+          <a:p>
+            <a:pPr algn="ctr"/>
+            <a:r>
+              <a:rPr lang="en-US" sz="1200" dirty="0"/>
+              <a:t>Ocean AI Models</a:t>
+            </a:r>
+          </a:p>
+          <a:p>
+            <a:pPr algn="ctr"/>
+            <a:r>
+              <a:rPr lang="en-US" sz="1200" dirty="0"/>
+              <a:t>(emulators)</a:t>
+            </a:r>
+          </a:p>
+        </p:txBody>
+      </p:sp>
+      <p:sp>
+        <p:nvSpPr>
+          <p:cNvPr id="30" name="Rectangle: Rounded Corners 29">
+            <a:extLst>
+              <a:ext uri="{FF2B5EF4-FFF2-40B4-BE49-F238E27FC236}">
+                <a16:creationId xmlns:a16="http://schemas.microsoft.com/office/drawing/2014/main" id="{E8CAFFFA-942D-C491-E40E-83F0F3858205}"/>
+              </a:ext>
+            </a:extLst>
+          </p:cNvPr>
+          <p:cNvSpPr/>
+          <p:nvPr/>
+        </p:nvSpPr>
+        <p:spPr>
+          <a:xfrm>
+            <a:off x="913064" y="3429000"/>
+            <a:ext cx="1370194" cy="494950"/>
+          </a:xfrm>
+          <a:prstGeom prst="roundRect">
+            <a:avLst/>
+          </a:prstGeom>
+          <a:solidFill>
+            <a:srgbClr val="16A124"/>
+          </a:solidFill>
+          <a:ln>
+            <a:noFill/>
+          </a:ln>
+        </p:spPr>
+        <p:style>
+          <a:lnRef idx="2">
+            <a:schemeClr val="accent1">
+              <a:shade val="15000"/>
+            </a:schemeClr>
+          </a:lnRef>
+          <a:fillRef idx="1">
+            <a:schemeClr val="accent1"/>
+          </a:fillRef>
+          <a:effectRef idx="0">
+            <a:schemeClr val="accent1"/>
+          </a:effectRef>
+          <a:fontRef idx="minor">
+            <a:schemeClr val="lt1"/>
+          </a:fontRef>
+        </p:style>
+        <p:txBody>
+          <a:bodyPr rtlCol="0" anchor="ctr"/>
+          <a:lstStyle/>
+          <a:p>
+            <a:pPr algn="ctr"/>
+            <a:r>
+              <a:rPr lang="en-US" sz="1200" dirty="0"/>
+              <a:t>Land Sink</a:t>
+            </a:r>
+          </a:p>
+        </p:txBody>
+      </p:sp>
+      <p:sp>
+        <p:nvSpPr>
+          <p:cNvPr id="39" name="TextBox 38">
+            <a:extLst>
+              <a:ext uri="{FF2B5EF4-FFF2-40B4-BE49-F238E27FC236}">
+                <a16:creationId xmlns:a16="http://schemas.microsoft.com/office/drawing/2014/main" id="{AA3C399D-3249-EB3F-1A5D-28632221052E}"/>
+              </a:ext>
+            </a:extLst>
+          </p:cNvPr>
+          <p:cNvSpPr txBox="1"/>
+          <p:nvPr/>
+        </p:nvSpPr>
+        <p:spPr>
+          <a:xfrm>
+            <a:off x="2240990" y="3485441"/>
+            <a:ext cx="300082" cy="369332"/>
+          </a:xfrm>
+          <a:prstGeom prst="rect">
+            <a:avLst/>
+          </a:prstGeom>
+          <a:noFill/>
+        </p:spPr>
+        <p:txBody>
+          <a:bodyPr wrap="none" rtlCol="0">
+            <a:spAutoFit/>
+          </a:bodyPr>
+          <a:lstStyle/>
+          <a:p>
+            <a:r>
+              <a:rPr lang="en-US" dirty="0"/>
+              <a:t>+</a:t>
+            </a:r>
+          </a:p>
+        </p:txBody>
+      </p:sp>
+      <p:sp>
+        <p:nvSpPr>
+          <p:cNvPr id="40" name="TextBox 39">
+            <a:extLst>
+              <a:ext uri="{FF2B5EF4-FFF2-40B4-BE49-F238E27FC236}">
+                <a16:creationId xmlns:a16="http://schemas.microsoft.com/office/drawing/2014/main" id="{801B40BB-A273-FF3B-8D94-5C91CAA83620}"/>
+              </a:ext>
+            </a:extLst>
+          </p:cNvPr>
+          <p:cNvSpPr txBox="1"/>
+          <p:nvPr/>
+        </p:nvSpPr>
+        <p:spPr>
+          <a:xfrm>
+            <a:off x="3815290" y="3485382"/>
+            <a:ext cx="300082" cy="369332"/>
+          </a:xfrm>
+          <a:prstGeom prst="rect">
+            <a:avLst/>
+          </a:prstGeom>
+          <a:noFill/>
+        </p:spPr>
+        <p:txBody>
+          <a:bodyPr wrap="none" rtlCol="0">
+            <a:spAutoFit/>
+          </a:bodyPr>
+          <a:lstStyle/>
+          <a:p>
+            <a:r>
+              <a:rPr lang="en-US" dirty="0"/>
+              <a:t>+</a:t>
+            </a:r>
+          </a:p>
+        </p:txBody>
+      </p:sp>
+      <p:sp>
+        <p:nvSpPr>
+          <p:cNvPr id="41" name="TextBox 40">
+            <a:extLst>
+              <a:ext uri="{FF2B5EF4-FFF2-40B4-BE49-F238E27FC236}">
+                <a16:creationId xmlns:a16="http://schemas.microsoft.com/office/drawing/2014/main" id="{09230EC4-7CEB-3907-A8A6-197525AD3835}"/>
+              </a:ext>
+            </a:extLst>
+          </p:cNvPr>
+          <p:cNvSpPr txBox="1"/>
+          <p:nvPr/>
+        </p:nvSpPr>
+        <p:spPr>
+          <a:xfrm>
+            <a:off x="5423335" y="3485382"/>
+            <a:ext cx="300082" cy="369332"/>
+          </a:xfrm>
+          <a:prstGeom prst="rect">
+            <a:avLst/>
+          </a:prstGeom>
+          <a:noFill/>
+        </p:spPr>
+        <p:txBody>
+          <a:bodyPr wrap="none" rtlCol="0">
+            <a:spAutoFit/>
+          </a:bodyPr>
+          <a:lstStyle/>
+          <a:p>
+            <a:r>
+              <a:rPr lang="en-US" dirty="0"/>
+              <a:t>+</a:t>
+            </a:r>
+          </a:p>
+        </p:txBody>
+      </p:sp>
+      <p:sp>
+        <p:nvSpPr>
+          <p:cNvPr id="42" name="TextBox 41">
+            <a:extLst>
+              <a:ext uri="{FF2B5EF4-FFF2-40B4-BE49-F238E27FC236}">
+                <a16:creationId xmlns:a16="http://schemas.microsoft.com/office/drawing/2014/main" id="{28CB9D68-352F-0D0E-5D5E-4AAEE2DF35AA}"/>
+              </a:ext>
+            </a:extLst>
+          </p:cNvPr>
+          <p:cNvSpPr txBox="1"/>
+          <p:nvPr/>
+        </p:nvSpPr>
+        <p:spPr>
+          <a:xfrm>
+            <a:off x="5673004" y="3474437"/>
+            <a:ext cx="776175" cy="430887"/>
+          </a:xfrm>
+          <a:prstGeom prst="rect">
+            <a:avLst/>
+          </a:prstGeom>
+          <a:noFill/>
+        </p:spPr>
+        <p:txBody>
+          <a:bodyPr wrap="none" rtlCol="0">
+            <a:spAutoFit/>
+          </a:bodyPr>
+          <a:lstStyle/>
+          <a:p>
+            <a:pPr algn="ctr"/>
+            <a:r>
+              <a:rPr lang="en-US" sz="1050" dirty="0"/>
+              <a:t>Budget </a:t>
+            </a:r>
+          </a:p>
+          <a:p>
+            <a:pPr algn="ctr"/>
+            <a:r>
+              <a:rPr lang="en-US" sz="1050" dirty="0"/>
+              <a:t>Imbalance</a:t>
+            </a:r>
+          </a:p>
+        </p:txBody>
+      </p:sp>
+      <p:cxnSp>
+        <p:nvCxnSpPr>
+          <p:cNvPr id="47" name="Connector: Elbow 46">
+            <a:extLst>
+              <a:ext uri="{FF2B5EF4-FFF2-40B4-BE49-F238E27FC236}">
+                <a16:creationId xmlns:a16="http://schemas.microsoft.com/office/drawing/2014/main" id="{F1A4D11F-215A-81B6-B2A3-E71BF0B9735A}"/>
+              </a:ext>
+            </a:extLst>
+          </p:cNvPr>
+          <p:cNvCxnSpPr>
+            <a:cxnSpLocks/>
+            <a:stCxn id="26" idx="0"/>
+            <a:endCxn id="30" idx="2"/>
+          </p:cNvCxnSpPr>
+          <p:nvPr/>
+        </p:nvCxnSpPr>
+        <p:spPr>
+          <a:xfrm rot="5400000" flipH="1" flipV="1">
+            <a:off x="1081125" y="3907045"/>
+            <a:ext cx="500131" cy="533942"/>
+          </a:xfrm>
+          <a:prstGeom prst="bentConnector3">
+            <a:avLst>
+              <a:gd name="adj1" fmla="val 50000"/>
+            </a:avLst>
+          </a:prstGeom>
+          <a:ln w="9525">
+            <a:solidFill>
+              <a:schemeClr val="tx1">
+                <a:lumMod val="85000"/>
+                <a:lumOff val="15000"/>
+              </a:schemeClr>
+            </a:solidFill>
+            <a:prstDash val="dash"/>
+            <a:tailEnd type="triangle"/>
+          </a:ln>
+        </p:spPr>
+        <p:style>
+          <a:lnRef idx="1">
+            <a:schemeClr val="accent1"/>
+          </a:lnRef>
+          <a:fillRef idx="0">
+            <a:schemeClr val="accent1"/>
+          </a:fillRef>
+          <a:effectRef idx="0">
+            <a:schemeClr val="accent1"/>
+          </a:effectRef>
+          <a:fontRef idx="minor">
+            <a:schemeClr val="tx1"/>
+          </a:fontRef>
+        </p:style>
+      </p:cxnSp>
+      <p:cxnSp>
+        <p:nvCxnSpPr>
+          <p:cNvPr id="50" name="Connector: Elbow 49">
+            <a:extLst>
+              <a:ext uri="{FF2B5EF4-FFF2-40B4-BE49-F238E27FC236}">
+                <a16:creationId xmlns:a16="http://schemas.microsoft.com/office/drawing/2014/main" id="{7B35940D-7EA1-4CF8-4ADD-A4CCDFADBA1F}"/>
+              </a:ext>
+            </a:extLst>
+          </p:cNvPr>
+          <p:cNvCxnSpPr>
+            <a:cxnSpLocks/>
+            <a:stCxn id="27" idx="0"/>
+            <a:endCxn id="30" idx="2"/>
+          </p:cNvCxnSpPr>
+          <p:nvPr/>
+        </p:nvCxnSpPr>
+        <p:spPr>
+          <a:xfrm rot="16200000" flipV="1">
+            <a:off x="1902592" y="3619519"/>
+            <a:ext cx="493752" cy="1102613"/>
+          </a:xfrm>
+          <a:prstGeom prst="bentConnector3">
+            <a:avLst>
+              <a:gd name="adj1" fmla="val 50000"/>
+            </a:avLst>
+          </a:prstGeom>
+          <a:ln w="9525">
+            <a:solidFill>
+              <a:schemeClr val="tx1">
+                <a:lumMod val="85000"/>
+                <a:lumOff val="15000"/>
+              </a:schemeClr>
+            </a:solidFill>
+            <a:prstDash val="dash"/>
+            <a:tailEnd type="triangle"/>
+          </a:ln>
+        </p:spPr>
+        <p:style>
+          <a:lnRef idx="1">
+            <a:schemeClr val="accent1"/>
+          </a:lnRef>
+          <a:fillRef idx="0">
+            <a:schemeClr val="accent1"/>
+          </a:fillRef>
+          <a:effectRef idx="0">
+            <a:schemeClr val="accent1"/>
+          </a:effectRef>
+          <a:fontRef idx="minor">
+            <a:schemeClr val="tx1"/>
+          </a:fontRef>
+        </p:style>
+      </p:cxnSp>
+      <p:cxnSp>
+        <p:nvCxnSpPr>
+          <p:cNvPr id="63" name="Connector: Elbow 62">
+            <a:extLst>
+              <a:ext uri="{FF2B5EF4-FFF2-40B4-BE49-F238E27FC236}">
+                <a16:creationId xmlns:a16="http://schemas.microsoft.com/office/drawing/2014/main" id="{E55813BC-6A5C-7817-BEF6-9FC44D34D6D7}"/>
+              </a:ext>
+            </a:extLst>
+          </p:cNvPr>
+          <p:cNvCxnSpPr>
+            <a:cxnSpLocks/>
+            <a:stCxn id="28" idx="0"/>
+            <a:endCxn id="31" idx="2"/>
+          </p:cNvCxnSpPr>
+          <p:nvPr/>
+        </p:nvCxnSpPr>
+        <p:spPr>
+          <a:xfrm rot="16200000" flipV="1">
+            <a:off x="3567918" y="3524954"/>
+            <a:ext cx="500120" cy="1285376"/>
+          </a:xfrm>
+          <a:prstGeom prst="bentConnector3">
+            <a:avLst>
+              <a:gd name="adj1" fmla="val 50000"/>
+            </a:avLst>
+          </a:prstGeom>
+          <a:ln w="9525">
+            <a:solidFill>
+              <a:schemeClr val="tx1">
+                <a:lumMod val="85000"/>
+                <a:lumOff val="15000"/>
+              </a:schemeClr>
+            </a:solidFill>
+            <a:prstDash val="dash"/>
+            <a:tailEnd type="triangle"/>
+          </a:ln>
+        </p:spPr>
+        <p:style>
+          <a:lnRef idx="1">
+            <a:schemeClr val="accent1"/>
+          </a:lnRef>
+          <a:fillRef idx="0">
+            <a:schemeClr val="accent1"/>
+          </a:fillRef>
+          <a:effectRef idx="0">
+            <a:schemeClr val="accent1"/>
+          </a:effectRef>
+          <a:fontRef idx="minor">
+            <a:schemeClr val="tx1"/>
+          </a:fontRef>
+        </p:style>
+      </p:cxnSp>
+      <p:sp>
+        <p:nvSpPr>
+          <p:cNvPr id="5" name="Arrow: Up-Down 4">
+            <a:extLst>
+              <a:ext uri="{FF2B5EF4-FFF2-40B4-BE49-F238E27FC236}">
+                <a16:creationId xmlns:a16="http://schemas.microsoft.com/office/drawing/2014/main" id="{1C326E7B-F494-1990-D4CA-DA5340CE68C4}"/>
+              </a:ext>
+            </a:extLst>
+          </p:cNvPr>
+          <p:cNvSpPr/>
+          <p:nvPr/>
+        </p:nvSpPr>
+        <p:spPr>
+          <a:xfrm>
+            <a:off x="1495457" y="3109379"/>
+            <a:ext cx="102704" cy="180000"/>
+          </a:xfrm>
+          <a:prstGeom prst="upDownArrow">
+            <a:avLst/>
+          </a:prstGeom>
+          <a:solidFill>
+            <a:srgbClr val="16A124"/>
+          </a:solidFill>
+          <a:ln>
+            <a:noFill/>
+          </a:ln>
+        </p:spPr>
+        <p:style>
+          <a:lnRef idx="2">
+            <a:schemeClr val="accent1">
+              <a:shade val="15000"/>
+            </a:schemeClr>
+          </a:lnRef>
+          <a:fillRef idx="1">
+            <a:schemeClr val="accent1"/>
+          </a:fillRef>
+          <a:effectRef idx="0">
+            <a:schemeClr val="accent1"/>
+          </a:effectRef>
+          <a:fontRef idx="minor">
+            <a:schemeClr val="lt1"/>
+          </a:fontRef>
+        </p:style>
+        <p:txBody>
+          <a:bodyPr rtlCol="0" anchor="ctr"/>
+          <a:lstStyle/>
+          <a:p>
+            <a:pPr algn="ctr"/>
+            <a:endParaRPr lang="en-US" sz="1200"/>
+          </a:p>
+        </p:txBody>
+      </p:sp>
+      <p:sp>
+        <p:nvSpPr>
+          <p:cNvPr id="12" name="Arrow: Up-Down 11">
+            <a:extLst>
+              <a:ext uri="{FF2B5EF4-FFF2-40B4-BE49-F238E27FC236}">
+                <a16:creationId xmlns:a16="http://schemas.microsoft.com/office/drawing/2014/main" id="{786DECDF-4C4B-682B-B250-195AC965983B}"/>
+              </a:ext>
+            </a:extLst>
+          </p:cNvPr>
+          <p:cNvSpPr/>
+          <p:nvPr/>
+        </p:nvSpPr>
+        <p:spPr>
+          <a:xfrm>
+            <a:off x="3123938" y="3109379"/>
+            <a:ext cx="102704" cy="180000"/>
+          </a:xfrm>
+          <a:prstGeom prst="upDownArrow">
+            <a:avLst/>
+          </a:prstGeom>
+          <a:solidFill>
+            <a:srgbClr val="0C127D"/>
+          </a:solidFill>
+          <a:ln>
+            <a:noFill/>
+          </a:ln>
+        </p:spPr>
+        <p:style>
+          <a:lnRef idx="2">
+            <a:schemeClr val="accent1">
+              <a:shade val="15000"/>
+            </a:schemeClr>
+          </a:lnRef>
+          <a:fillRef idx="1">
+            <a:schemeClr val="accent1"/>
+          </a:fillRef>
+          <a:effectRef idx="0">
+            <a:schemeClr val="accent1"/>
+          </a:effectRef>
+          <a:fontRef idx="minor">
+            <a:schemeClr val="lt1"/>
+          </a:fontRef>
+        </p:style>
+        <p:txBody>
+          <a:bodyPr rtlCol="0" anchor="ctr"/>
+          <a:lstStyle/>
+          <a:p>
+            <a:pPr algn="ctr"/>
+            <a:endParaRPr lang="en-US" sz="1200"/>
+          </a:p>
+        </p:txBody>
+      </p:sp>
+      <p:sp>
+        <p:nvSpPr>
+          <p:cNvPr id="13" name="Arrow: Up-Down 12">
+            <a:extLst>
+              <a:ext uri="{FF2B5EF4-FFF2-40B4-BE49-F238E27FC236}">
+                <a16:creationId xmlns:a16="http://schemas.microsoft.com/office/drawing/2014/main" id="{CB8A7D74-ADB3-9CBA-A8C4-2550388BF12F}"/>
+              </a:ext>
+            </a:extLst>
+          </p:cNvPr>
+          <p:cNvSpPr/>
+          <p:nvPr/>
+        </p:nvSpPr>
+        <p:spPr>
+          <a:xfrm>
+            <a:off x="4712372" y="3109379"/>
+            <a:ext cx="102704" cy="180000"/>
+          </a:xfrm>
+          <a:prstGeom prst="upDownArrow">
+            <a:avLst/>
+          </a:prstGeom>
+          <a:solidFill>
+            <a:srgbClr val="5EABE6"/>
+          </a:solidFill>
+          <a:ln>
+            <a:noFill/>
+          </a:ln>
+        </p:spPr>
+        <p:style>
+          <a:lnRef idx="2">
+            <a:schemeClr val="accent1">
+              <a:shade val="15000"/>
+            </a:schemeClr>
+          </a:lnRef>
+          <a:fillRef idx="1">
+            <a:schemeClr val="accent1"/>
+          </a:fillRef>
+          <a:effectRef idx="0">
+            <a:schemeClr val="accent1"/>
+          </a:effectRef>
+          <a:fontRef idx="minor">
+            <a:schemeClr val="lt1"/>
+          </a:fontRef>
+        </p:style>
+        <p:txBody>
+          <a:bodyPr rtlCol="0" anchor="ctr"/>
+          <a:lstStyle/>
+          <a:p>
+            <a:pPr algn="ctr"/>
+            <a:endParaRPr lang="en-US" sz="1100"/>
+          </a:p>
+        </p:txBody>
+      </p:sp>
+      <p:cxnSp>
+        <p:nvCxnSpPr>
+          <p:cNvPr id="35" name="Connector: Elbow 34">
+            <a:extLst>
+              <a:ext uri="{FF2B5EF4-FFF2-40B4-BE49-F238E27FC236}">
+                <a16:creationId xmlns:a16="http://schemas.microsoft.com/office/drawing/2014/main" id="{121C7EBF-754F-6BBF-97BC-C10BC751DA95}"/>
+              </a:ext>
+            </a:extLst>
+          </p:cNvPr>
+          <p:cNvCxnSpPr>
+            <a:cxnSpLocks/>
+          </p:cNvCxnSpPr>
+          <p:nvPr/>
+        </p:nvCxnSpPr>
+        <p:spPr>
+          <a:xfrm rot="16200000" flipV="1">
+            <a:off x="-135566" y="1759323"/>
+            <a:ext cx="2647000" cy="685097"/>
+          </a:xfrm>
+          <a:prstGeom prst="bentConnector3">
+            <a:avLst>
+              <a:gd name="adj1" fmla="val 2620"/>
+            </a:avLst>
+          </a:prstGeom>
+          <a:ln w="9525">
+            <a:solidFill>
+              <a:schemeClr val="accent1">
+                <a:lumMod val="75000"/>
+              </a:schemeClr>
+            </a:solidFill>
+            <a:prstDash val="dash"/>
+            <a:tailEnd type="triangle"/>
+          </a:ln>
+        </p:spPr>
+        <p:style>
+          <a:lnRef idx="1">
+            <a:schemeClr val="accent1"/>
+          </a:lnRef>
+          <a:fillRef idx="0">
+            <a:schemeClr val="accent1"/>
+          </a:fillRef>
+          <a:effectRef idx="0">
+            <a:schemeClr val="accent1"/>
+          </a:effectRef>
+          <a:fontRef idx="minor">
+            <a:schemeClr val="tx1"/>
+          </a:fontRef>
+        </p:style>
+      </p:cxnSp>
+      <p:cxnSp>
+        <p:nvCxnSpPr>
+          <p:cNvPr id="37" name="Connector: Elbow 36">
+            <a:extLst>
+              <a:ext uri="{FF2B5EF4-FFF2-40B4-BE49-F238E27FC236}">
+                <a16:creationId xmlns:a16="http://schemas.microsoft.com/office/drawing/2014/main" id="{DC541B87-D7C7-6C90-FDEF-7FBE09EB2F5E}"/>
+              </a:ext>
+            </a:extLst>
+          </p:cNvPr>
+          <p:cNvCxnSpPr>
+            <a:cxnSpLocks/>
+          </p:cNvCxnSpPr>
+          <p:nvPr/>
+        </p:nvCxnSpPr>
+        <p:spPr>
+          <a:xfrm rot="16200000" flipV="1">
+            <a:off x="520790" y="1097952"/>
+            <a:ext cx="2664000" cy="2016000"/>
+          </a:xfrm>
+          <a:prstGeom prst="bentConnector3">
+            <a:avLst>
+              <a:gd name="adj1" fmla="val 3092"/>
+            </a:avLst>
+          </a:prstGeom>
+          <a:ln w="9525">
+            <a:solidFill>
+              <a:schemeClr val="accent1">
+                <a:lumMod val="75000"/>
+              </a:schemeClr>
+            </a:solidFill>
+            <a:prstDash val="dash"/>
+            <a:tailEnd type="triangle"/>
+          </a:ln>
+        </p:spPr>
+        <p:style>
+          <a:lnRef idx="1">
+            <a:schemeClr val="accent1"/>
+          </a:lnRef>
+          <a:fillRef idx="0">
+            <a:schemeClr val="accent1"/>
+          </a:fillRef>
+          <a:effectRef idx="0">
+            <a:schemeClr val="accent1"/>
+          </a:effectRef>
+          <a:fontRef idx="minor">
+            <a:schemeClr val="tx1"/>
+          </a:fontRef>
+        </p:style>
+      </p:cxnSp>
+      <p:cxnSp>
+        <p:nvCxnSpPr>
+          <p:cNvPr id="44" name="Connector: Elbow 43">
+            <a:extLst>
+              <a:ext uri="{FF2B5EF4-FFF2-40B4-BE49-F238E27FC236}">
+                <a16:creationId xmlns:a16="http://schemas.microsoft.com/office/drawing/2014/main" id="{3945FA58-BA20-AC6E-6CF7-8ECF280082E3}"/>
+              </a:ext>
+            </a:extLst>
+          </p:cNvPr>
+          <p:cNvCxnSpPr>
+            <a:cxnSpLocks/>
+          </p:cNvCxnSpPr>
+          <p:nvPr/>
+        </p:nvCxnSpPr>
+        <p:spPr>
+          <a:xfrm rot="16200000" flipV="1">
+            <a:off x="1259139" y="361104"/>
+            <a:ext cx="2664000" cy="3492000"/>
+          </a:xfrm>
+          <a:prstGeom prst="bentConnector3">
+            <a:avLst>
+              <a:gd name="adj1" fmla="val 3092"/>
+            </a:avLst>
+          </a:prstGeom>
+          <a:ln w="9525">
+            <a:solidFill>
+              <a:schemeClr val="accent1">
+                <a:lumMod val="75000"/>
+              </a:schemeClr>
+            </a:solidFill>
+            <a:prstDash val="dash"/>
+            <a:tailEnd type="triangle"/>
+          </a:ln>
+        </p:spPr>
+        <p:style>
+          <a:lnRef idx="1">
+            <a:schemeClr val="accent1"/>
+          </a:lnRef>
+          <a:fillRef idx="0">
+            <a:schemeClr val="accent1"/>
+          </a:fillRef>
+          <a:effectRef idx="0">
+            <a:schemeClr val="accent1"/>
+          </a:effectRef>
+          <a:fontRef idx="minor">
+            <a:schemeClr val="tx1"/>
+          </a:fontRef>
+        </p:style>
+      </p:cxnSp>
+      <p:sp>
+        <p:nvSpPr>
+          <p:cNvPr id="46" name="TextBox 45">
+            <a:extLst>
+              <a:ext uri="{FF2B5EF4-FFF2-40B4-BE49-F238E27FC236}">
+                <a16:creationId xmlns:a16="http://schemas.microsoft.com/office/drawing/2014/main" id="{82E4034D-3894-3D19-7C99-A261F4DE074A}"/>
+              </a:ext>
+            </a:extLst>
+          </p:cNvPr>
+          <p:cNvSpPr txBox="1"/>
+          <p:nvPr/>
+        </p:nvSpPr>
+        <p:spPr>
+          <a:xfrm>
+            <a:off x="805488" y="1708194"/>
+            <a:ext cx="875947" cy="276999"/>
+          </a:xfrm>
+          <a:prstGeom prst="rect">
+            <a:avLst/>
+          </a:prstGeom>
+          <a:noFill/>
+        </p:spPr>
+        <p:txBody>
+          <a:bodyPr wrap="square">
+            <a:spAutoFit/>
+          </a:bodyPr>
+          <a:lstStyle/>
+          <a:p>
+            <a:r>
+              <a:rPr lang="en-US" sz="1200" dirty="0"/>
+              <a:t>Bottom up</a:t>
+            </a:r>
+          </a:p>
+        </p:txBody>
+      </p:sp>
+      <p:sp>
+        <p:nvSpPr>
+          <p:cNvPr id="48" name="TextBox 47">
+            <a:extLst>
+              <a:ext uri="{FF2B5EF4-FFF2-40B4-BE49-F238E27FC236}">
+                <a16:creationId xmlns:a16="http://schemas.microsoft.com/office/drawing/2014/main" id="{EED5F5A0-AD6C-56C0-D7BD-D338B35DC774}"/>
+              </a:ext>
+            </a:extLst>
+          </p:cNvPr>
+          <p:cNvSpPr txBox="1"/>
+          <p:nvPr/>
+        </p:nvSpPr>
+        <p:spPr>
+          <a:xfrm>
+            <a:off x="1467083" y="796299"/>
+            <a:ext cx="875947" cy="276999"/>
+          </a:xfrm>
+          <a:prstGeom prst="rect">
+            <a:avLst/>
+          </a:prstGeom>
+          <a:noFill/>
+        </p:spPr>
+        <p:txBody>
+          <a:bodyPr wrap="square">
+            <a:spAutoFit/>
+          </a:bodyPr>
+          <a:lstStyle/>
+          <a:p>
+            <a:r>
+              <a:rPr lang="en-US" sz="1200" dirty="0"/>
+              <a:t>Top down</a:t>
+            </a:r>
+          </a:p>
+        </p:txBody>
+      </p:sp>
+      <p:sp>
+        <p:nvSpPr>
+          <p:cNvPr id="31" name="Rectangle: Rounded Corners 30">
+            <a:extLst>
+              <a:ext uri="{FF2B5EF4-FFF2-40B4-BE49-F238E27FC236}">
+                <a16:creationId xmlns:a16="http://schemas.microsoft.com/office/drawing/2014/main" id="{DD8AEF7D-516D-403F-87A8-6BCF85E4E1A1}"/>
+              </a:ext>
+            </a:extLst>
+          </p:cNvPr>
+          <p:cNvSpPr/>
+          <p:nvPr/>
+        </p:nvSpPr>
+        <p:spPr>
+          <a:xfrm>
+            <a:off x="2490193" y="3422632"/>
+            <a:ext cx="1370194" cy="494950"/>
+          </a:xfrm>
+          <a:prstGeom prst="roundRect">
+            <a:avLst/>
+          </a:prstGeom>
+          <a:solidFill>
+            <a:srgbClr val="0C127D"/>
+          </a:solidFill>
+          <a:ln>
+            <a:noFill/>
+          </a:ln>
+        </p:spPr>
+        <p:style>
+          <a:lnRef idx="2">
+            <a:schemeClr val="accent1">
+              <a:shade val="15000"/>
+            </a:schemeClr>
+          </a:lnRef>
+          <a:fillRef idx="1">
+            <a:schemeClr val="accent1"/>
+          </a:fillRef>
+          <a:effectRef idx="0">
+            <a:schemeClr val="accent1"/>
+          </a:effectRef>
+          <a:fontRef idx="minor">
+            <a:schemeClr val="lt1"/>
+          </a:fontRef>
+        </p:style>
+        <p:txBody>
+          <a:bodyPr rtlCol="0" anchor="ctr"/>
+          <a:lstStyle/>
+          <a:p>
+            <a:pPr algn="ctr"/>
+            <a:r>
+              <a:rPr lang="en-US" sz="1200" dirty="0"/>
+              <a:t>Ocean Sink</a:t>
+            </a:r>
+          </a:p>
+        </p:txBody>
+      </p:sp>
+      <p:sp>
+        <p:nvSpPr>
+          <p:cNvPr id="32" name="Rectangle: Rounded Corners 31">
+            <a:extLst>
+              <a:ext uri="{FF2B5EF4-FFF2-40B4-BE49-F238E27FC236}">
+                <a16:creationId xmlns:a16="http://schemas.microsoft.com/office/drawing/2014/main" id="{B529024C-4ACE-3FC9-2CE6-0DAC7ACF01F9}"/>
+              </a:ext>
+            </a:extLst>
+          </p:cNvPr>
+          <p:cNvSpPr/>
+          <p:nvPr/>
+        </p:nvSpPr>
+        <p:spPr>
+          <a:xfrm>
+            <a:off x="4078627" y="3429000"/>
+            <a:ext cx="1370194" cy="494950"/>
+          </a:xfrm>
+          <a:prstGeom prst="roundRect">
+            <a:avLst/>
+          </a:prstGeom>
+          <a:solidFill>
+            <a:srgbClr val="5EABE6"/>
+          </a:solidFill>
+          <a:ln>
+            <a:noFill/>
+          </a:ln>
+        </p:spPr>
+        <p:style>
+          <a:lnRef idx="2">
+            <a:schemeClr val="accent1">
+              <a:shade val="15000"/>
+            </a:schemeClr>
+          </a:lnRef>
+          <a:fillRef idx="1">
+            <a:schemeClr val="accent1"/>
+          </a:fillRef>
+          <a:effectRef idx="0">
+            <a:schemeClr val="accent1"/>
+          </a:effectRef>
+          <a:fontRef idx="minor">
+            <a:schemeClr val="lt1"/>
+          </a:fontRef>
+        </p:style>
+        <p:txBody>
+          <a:bodyPr rtlCol="0" anchor="ctr"/>
+          <a:lstStyle/>
+          <a:p>
+            <a:pPr algn="ctr"/>
+            <a:r>
+              <a:rPr lang="en-US" sz="1100" dirty="0"/>
+              <a:t>CO2 Growth Rate</a:t>
+            </a:r>
+          </a:p>
+          <a:p>
+            <a:pPr algn="ctr"/>
+            <a:r>
+              <a:rPr lang="en-US" sz="900" dirty="0"/>
+              <a:t>from NOAA and SCRIPPS </a:t>
+            </a:r>
+          </a:p>
+          <a:p>
+            <a:pPr algn="ctr"/>
+            <a:r>
+              <a:rPr lang="en-US" sz="900" dirty="0"/>
+              <a:t>surface stations</a:t>
+            </a:r>
+          </a:p>
+        </p:txBody>
+      </p:sp>
+      <p:sp>
+        <p:nvSpPr>
+          <p:cNvPr id="6" name="Rectangle: Rounded Corners 5">
+            <a:extLst>
+              <a:ext uri="{FF2B5EF4-FFF2-40B4-BE49-F238E27FC236}">
+                <a16:creationId xmlns:a16="http://schemas.microsoft.com/office/drawing/2014/main" id="{6E9EDAA4-822F-53DE-FBCF-FB37C8E3200D}"/>
+              </a:ext>
+            </a:extLst>
+          </p:cNvPr>
+          <p:cNvSpPr/>
+          <p:nvPr/>
+        </p:nvSpPr>
+        <p:spPr>
+          <a:xfrm>
+            <a:off x="1877789" y="1337335"/>
+            <a:ext cx="1370194" cy="494950"/>
+          </a:xfrm>
+          <a:prstGeom prst="roundRect">
+            <a:avLst/>
+          </a:prstGeom>
+          <a:solidFill>
+            <a:srgbClr val="FF5722"/>
+          </a:solidFill>
+          <a:ln w="28575"/>
+        </p:spPr>
+        <p:style>
+          <a:lnRef idx="2">
+            <a:schemeClr val="accent1">
+              <a:shade val="15000"/>
+            </a:schemeClr>
+          </a:lnRef>
+          <a:fillRef idx="1">
+            <a:schemeClr val="accent1"/>
+          </a:fillRef>
+          <a:effectRef idx="0">
+            <a:schemeClr val="accent1"/>
+          </a:effectRef>
+          <a:fontRef idx="minor">
+            <a:schemeClr val="lt1"/>
+          </a:fontRef>
+        </p:style>
+        <p:txBody>
+          <a:bodyPr rtlCol="0" anchor="ctr"/>
+          <a:lstStyle/>
+          <a:p>
+            <a:pPr algn="ctr"/>
+            <a:r>
+              <a:rPr lang="en-US" sz="1200" dirty="0"/>
+              <a:t>Atmospheric Inversion Model</a:t>
+            </a:r>
+          </a:p>
+        </p:txBody>
+      </p:sp>
+      <p:sp>
+        <p:nvSpPr>
+          <p:cNvPr id="51" name="TextBox 50">
+            <a:extLst>
+              <a:ext uri="{FF2B5EF4-FFF2-40B4-BE49-F238E27FC236}">
+                <a16:creationId xmlns:a16="http://schemas.microsoft.com/office/drawing/2014/main" id="{4E6E8D09-AF88-CA58-E1B6-9816A9E1AEEC}"/>
+              </a:ext>
+            </a:extLst>
+          </p:cNvPr>
+          <p:cNvSpPr txBox="1"/>
+          <p:nvPr/>
+        </p:nvSpPr>
+        <p:spPr>
+          <a:xfrm>
+            <a:off x="4818680" y="3069154"/>
+            <a:ext cx="1260281" cy="253916"/>
+          </a:xfrm>
+          <a:prstGeom prst="rect">
+            <a:avLst/>
+          </a:prstGeom>
+          <a:noFill/>
+        </p:spPr>
+        <p:txBody>
+          <a:bodyPr wrap="none" rtlCol="0">
+            <a:spAutoFit/>
+          </a:bodyPr>
+          <a:lstStyle/>
+          <a:p>
+            <a:pPr algn="ctr"/>
+            <a:r>
+              <a:rPr lang="en-US" sz="1050" b="1" dirty="0"/>
+              <a:t>Approach Compare</a:t>
+            </a:r>
+          </a:p>
+        </p:txBody>
+      </p:sp>
+    </p:spTree>
+    <p:extLst>
+      <p:ext uri="{BB962C8B-B14F-4D97-AF65-F5344CB8AC3E}">
+        <p14:creationId xmlns:p14="http://schemas.microsoft.com/office/powerpoint/2010/main" val="2148158321"/>
+      </p:ext>
+    </p:extLst>
+  </p:cSld>
+  <p:clrMapOvr>
+    <a:masterClrMapping/>
+  </p:clrMapOvr>
+</p:sld>
+</file>
+
 <file path=ppt/theme/theme1.xml><?xml version="1.0" encoding="utf-8"?>
 <a:theme xmlns:a="http://schemas.openxmlformats.org/drawingml/2006/main" name="Thème Office">
   <a:themeElements>
